--- a/Group 3- Analysis Report with survey result.pptx
+++ b/Group 3- Analysis Report with survey result.pptx
@@ -6,26 +6,27 @@
   </p:sldMasterIdLst>
   <p:sldIdLst>
     <p:sldId id="258" r:id="rId2"/>
-    <p:sldId id="279" r:id="rId3"/>
-    <p:sldId id="268" r:id="rId4"/>
-    <p:sldId id="278" r:id="rId5"/>
-    <p:sldId id="269" r:id="rId6"/>
-    <p:sldId id="270" r:id="rId7"/>
-    <p:sldId id="271" r:id="rId8"/>
-    <p:sldId id="272" r:id="rId9"/>
-    <p:sldId id="273" r:id="rId10"/>
-    <p:sldId id="274" r:id="rId11"/>
-    <p:sldId id="256" r:id="rId12"/>
-    <p:sldId id="257" r:id="rId13"/>
-    <p:sldId id="259" r:id="rId14"/>
-    <p:sldId id="260" r:id="rId15"/>
-    <p:sldId id="261" r:id="rId16"/>
-    <p:sldId id="262" r:id="rId17"/>
-    <p:sldId id="263" r:id="rId18"/>
-    <p:sldId id="264" r:id="rId19"/>
-    <p:sldId id="265" r:id="rId20"/>
-    <p:sldId id="266" r:id="rId21"/>
-    <p:sldId id="277" r:id="rId22"/>
+    <p:sldId id="281" r:id="rId3"/>
+    <p:sldId id="279" r:id="rId4"/>
+    <p:sldId id="268" r:id="rId5"/>
+    <p:sldId id="278" r:id="rId6"/>
+    <p:sldId id="269" r:id="rId7"/>
+    <p:sldId id="270" r:id="rId8"/>
+    <p:sldId id="271" r:id="rId9"/>
+    <p:sldId id="272" r:id="rId10"/>
+    <p:sldId id="273" r:id="rId11"/>
+    <p:sldId id="274" r:id="rId12"/>
+    <p:sldId id="256" r:id="rId13"/>
+    <p:sldId id="257" r:id="rId14"/>
+    <p:sldId id="259" r:id="rId15"/>
+    <p:sldId id="260" r:id="rId16"/>
+    <p:sldId id="261" r:id="rId17"/>
+    <p:sldId id="262" r:id="rId18"/>
+    <p:sldId id="263" r:id="rId19"/>
+    <p:sldId id="264" r:id="rId20"/>
+    <p:sldId id="265" r:id="rId21"/>
+    <p:sldId id="266" r:id="rId22"/>
+    <p:sldId id="277" r:id="rId23"/>
   </p:sldIdLst>
   <p:sldSz cx="12192000" cy="6858000"/>
   <p:notesSz cx="6858000" cy="9144000"/>
@@ -124,6 +125,11 @@
       </a:defRPr>
     </a:lvl9pPr>
   </p:defaultTextStyle>
+  <p:extLst>
+    <p:ext uri="{EFAFB233-063F-42B5-8137-9DF3F51BA10A}">
+      <p15:sldGuideLst xmlns:p15="http://schemas.microsoft.com/office/powerpoint/2012/main"/>
+    </p:ext>
+  </p:extLst>
 </p:presentation>
 </file>
 
@@ -23522,7 +23528,7 @@
           <a:p>
             <a:fld id="{4BF5BB43-BB32-4679-919E-396732EE0BB1}" type="datetimeFigureOut">
               <a:rPr lang="en-GB" smtClean="0"/>
-              <a:t>29/04/2025</a:t>
+              <a:t>30/04/2025</a:t>
             </a:fld>
             <a:endParaRPr lang="en-GB"/>
           </a:p>
@@ -23692,7 +23698,7 @@
           <a:p>
             <a:fld id="{4BF5BB43-BB32-4679-919E-396732EE0BB1}" type="datetimeFigureOut">
               <a:rPr lang="en-GB" smtClean="0"/>
-              <a:t>29/04/2025</a:t>
+              <a:t>30/04/2025</a:t>
             </a:fld>
             <a:endParaRPr lang="en-GB"/>
           </a:p>
@@ -23872,7 +23878,7 @@
           <a:p>
             <a:fld id="{4BF5BB43-BB32-4679-919E-396732EE0BB1}" type="datetimeFigureOut">
               <a:rPr lang="en-GB" smtClean="0"/>
-              <a:t>29/04/2025</a:t>
+              <a:t>30/04/2025</a:t>
             </a:fld>
             <a:endParaRPr lang="en-GB"/>
           </a:p>
@@ -24042,7 +24048,7 @@
           <a:p>
             <a:fld id="{4BF5BB43-BB32-4679-919E-396732EE0BB1}" type="datetimeFigureOut">
               <a:rPr lang="en-GB" smtClean="0"/>
-              <a:t>29/04/2025</a:t>
+              <a:t>30/04/2025</a:t>
             </a:fld>
             <a:endParaRPr lang="en-GB"/>
           </a:p>
@@ -24288,7 +24294,7 @@
           <a:p>
             <a:fld id="{4BF5BB43-BB32-4679-919E-396732EE0BB1}" type="datetimeFigureOut">
               <a:rPr lang="en-GB" smtClean="0"/>
-              <a:t>29/04/2025</a:t>
+              <a:t>30/04/2025</a:t>
             </a:fld>
             <a:endParaRPr lang="en-GB"/>
           </a:p>
@@ -24520,7 +24526,7 @@
           <a:p>
             <a:fld id="{4BF5BB43-BB32-4679-919E-396732EE0BB1}" type="datetimeFigureOut">
               <a:rPr lang="en-GB" smtClean="0"/>
-              <a:t>29/04/2025</a:t>
+              <a:t>30/04/2025</a:t>
             </a:fld>
             <a:endParaRPr lang="en-GB"/>
           </a:p>
@@ -24887,7 +24893,7 @@
           <a:p>
             <a:fld id="{4BF5BB43-BB32-4679-919E-396732EE0BB1}" type="datetimeFigureOut">
               <a:rPr lang="en-GB" smtClean="0"/>
-              <a:t>29/04/2025</a:t>
+              <a:t>30/04/2025</a:t>
             </a:fld>
             <a:endParaRPr lang="en-GB"/>
           </a:p>
@@ -25005,7 +25011,7 @@
           <a:p>
             <a:fld id="{4BF5BB43-BB32-4679-919E-396732EE0BB1}" type="datetimeFigureOut">
               <a:rPr lang="en-GB" smtClean="0"/>
-              <a:t>29/04/2025</a:t>
+              <a:t>30/04/2025</a:t>
             </a:fld>
             <a:endParaRPr lang="en-GB"/>
           </a:p>
@@ -25100,7 +25106,7 @@
           <a:p>
             <a:fld id="{4BF5BB43-BB32-4679-919E-396732EE0BB1}" type="datetimeFigureOut">
               <a:rPr lang="en-GB" smtClean="0"/>
-              <a:t>29/04/2025</a:t>
+              <a:t>30/04/2025</a:t>
             </a:fld>
             <a:endParaRPr lang="en-GB"/>
           </a:p>
@@ -25377,7 +25383,7 @@
           <a:p>
             <a:fld id="{4BF5BB43-BB32-4679-919E-396732EE0BB1}" type="datetimeFigureOut">
               <a:rPr lang="en-GB" smtClean="0"/>
-              <a:t>29/04/2025</a:t>
+              <a:t>30/04/2025</a:t>
             </a:fld>
             <a:endParaRPr lang="en-GB"/>
           </a:p>
@@ -25634,7 +25640,7 @@
           <a:p>
             <a:fld id="{4BF5BB43-BB32-4679-919E-396732EE0BB1}" type="datetimeFigureOut">
               <a:rPr lang="en-GB" smtClean="0"/>
-              <a:t>29/04/2025</a:t>
+              <a:t>30/04/2025</a:t>
             </a:fld>
             <a:endParaRPr lang="en-GB"/>
           </a:p>
@@ -25847,7 +25853,7 @@
           <a:p>
             <a:fld id="{4BF5BB43-BB32-4679-919E-396732EE0BB1}" type="datetimeFigureOut">
               <a:rPr lang="en-GB" smtClean="0"/>
-              <a:t>29/04/2025</a:t>
+              <a:t>30/04/2025</a:t>
             </a:fld>
             <a:endParaRPr lang="en-GB"/>
           </a:p>
@@ -26629,6 +26635,493 @@
       </p:grpSpPr>
       <p:sp useBgFill="1">
         <p:nvSpPr>
+          <p:cNvPr id="23" name="Rectangle 22">
+            <a:extLst>
+              <a:ext uri="{FF2B5EF4-FFF2-40B4-BE49-F238E27FC236}">
+                <a16:creationId xmlns:a16="http://schemas.microsoft.com/office/drawing/2014/main" id="{56E9B3E6-E277-4D68-BA48-9CB43FFBD6E2}"/>
+              </a:ext>
+              <a:ext uri="{C183D7F6-B498-43B3-948B-1728B52AA6E4}">
+                <adec:decorative xmlns:adec="http://schemas.microsoft.com/office/drawing/2017/decorative" val="1"/>
+              </a:ext>
+            </a:extLst>
+          </p:cNvPr>
+          <p:cNvSpPr>
+            <a:spLocks noGrp="1" noRot="1" noChangeAspect="1" noMove="1" noResize="1" noEditPoints="1" noAdjustHandles="1" noChangeArrowheads="1" noChangeShapeType="1" noTextEdit="1"/>
+          </p:cNvSpPr>
+          <p:nvPr>
+            <p:extLst>
+              <p:ext uri="{386F3935-93C4-4BCD-93E2-E3B085C9AB24}">
+                <p16:designElem xmlns:p16="http://schemas.microsoft.com/office/powerpoint/2015/main" val="1"/>
+              </p:ext>
+            </p:extLst>
+          </p:nvPr>
+        </p:nvSpPr>
+        <p:spPr>
+          <a:xfrm>
+            <a:off x="0" y="0"/>
+            <a:ext cx="12191999" cy="6857365"/>
+          </a:xfrm>
+          <a:prstGeom prst="rect">
+            <a:avLst/>
+          </a:prstGeom>
+          <a:ln>
+            <a:noFill/>
+          </a:ln>
+        </p:spPr>
+        <p:style>
+          <a:lnRef idx="2">
+            <a:schemeClr val="accent1">
+              <a:shade val="50000"/>
+            </a:schemeClr>
+          </a:lnRef>
+          <a:fillRef idx="1">
+            <a:schemeClr val="accent1"/>
+          </a:fillRef>
+          <a:effectRef idx="0">
+            <a:schemeClr val="accent1"/>
+          </a:effectRef>
+          <a:fontRef idx="minor">
+            <a:schemeClr val="lt1"/>
+          </a:fontRef>
+        </p:style>
+        <p:txBody>
+          <a:bodyPr rtlCol="0" anchor="ctr"/>
+          <a:lstStyle/>
+          <a:p>
+            <a:pPr algn="ctr"/>
+            <a:endParaRPr lang="en-US"/>
+          </a:p>
+        </p:txBody>
+      </p:sp>
+      <p:grpSp>
+        <p:nvGrpSpPr>
+          <p:cNvPr id="25" name="Group 24">
+            <a:extLst>
+              <a:ext uri="{FF2B5EF4-FFF2-40B4-BE49-F238E27FC236}">
+                <a16:creationId xmlns:a16="http://schemas.microsoft.com/office/drawing/2014/main" id="{AE1C45F0-260A-458C-96ED-C1F6D2151219}"/>
+              </a:ext>
+              <a:ext uri="{C183D7F6-B498-43B3-948B-1728B52AA6E4}">
+                <adec:decorative xmlns:adec="http://schemas.microsoft.com/office/drawing/2017/decorative" val="1"/>
+              </a:ext>
+            </a:extLst>
+          </p:cNvPr>
+          <p:cNvGrpSpPr>
+            <a:grpSpLocks noGrp="1" noUngrp="1" noRot="1" noChangeAspect="1" noMove="1" noResize="1"/>
+          </p:cNvGrpSpPr>
+          <p:nvPr>
+            <p:extLst>
+              <p:ext uri="{386F3935-93C4-4BCD-93E2-E3B085C9AB24}">
+                <p16:designElem xmlns:p16="http://schemas.microsoft.com/office/powerpoint/2015/main" val="1"/>
+              </p:ext>
+            </p:extLst>
+          </p:nvPr>
+        </p:nvGrpSpPr>
+        <p:grpSpPr>
+          <a:xfrm>
+            <a:off x="4" y="1216597"/>
+            <a:ext cx="731521" cy="673460"/>
+            <a:chOff x="3940602" y="308034"/>
+            <a:chExt cx="2116791" cy="3428999"/>
+          </a:xfrm>
+          <a:solidFill>
+            <a:schemeClr val="accent4"/>
+          </a:solidFill>
+        </p:grpSpPr>
+        <p:sp>
+          <p:nvSpPr>
+            <p:cNvPr id="26" name="Rectangle 25">
+              <a:extLst>
+                <a:ext uri="{FF2B5EF4-FFF2-40B4-BE49-F238E27FC236}">
+                  <a16:creationId xmlns:a16="http://schemas.microsoft.com/office/drawing/2014/main" id="{A6604B49-AD5C-4590-B051-06C8222ECD99}"/>
+                </a:ext>
+                <a:ext uri="{C183D7F6-B498-43B3-948B-1728B52AA6E4}">
+                  <adec:decorative xmlns:adec="http://schemas.microsoft.com/office/drawing/2017/decorative" val="1"/>
+                </a:ext>
+              </a:extLst>
+            </p:cNvPr>
+            <p:cNvSpPr/>
+            <p:nvPr>
+              <p:extLst>
+                <p:ext uri="{386F3935-93C4-4BCD-93E2-E3B085C9AB24}">
+                  <p16:designElem xmlns:p16="http://schemas.microsoft.com/office/powerpoint/2015/main" val="1"/>
+                </p:ext>
+              </p:extLst>
+            </p:nvPr>
+          </p:nvSpPr>
+          <p:spPr>
+            <a:xfrm>
+              <a:off x="3940602" y="308034"/>
+              <a:ext cx="566743" cy="3428999"/>
+            </a:xfrm>
+            <a:prstGeom prst="rect">
+              <a:avLst/>
+            </a:prstGeom>
+            <a:grpFill/>
+            <a:ln>
+              <a:noFill/>
+            </a:ln>
+          </p:spPr>
+          <p:style>
+            <a:lnRef idx="2">
+              <a:schemeClr val="accent1">
+                <a:shade val="50000"/>
+              </a:schemeClr>
+            </a:lnRef>
+            <a:fillRef idx="1">
+              <a:schemeClr val="accent1"/>
+            </a:fillRef>
+            <a:effectRef idx="0">
+              <a:schemeClr val="accent1"/>
+            </a:effectRef>
+            <a:fontRef idx="minor">
+              <a:schemeClr val="lt1"/>
+            </a:fontRef>
+          </p:style>
+          <p:txBody>
+            <a:bodyPr rtlCol="0" anchor="ctr"/>
+            <a:lstStyle/>
+            <a:p>
+              <a:pPr algn="ctr"/>
+              <a:endParaRPr lang="en-US"/>
+            </a:p>
+          </p:txBody>
+        </p:sp>
+        <p:sp>
+          <p:nvSpPr>
+            <p:cNvPr id="27" name="Rectangle 26">
+              <a:extLst>
+                <a:ext uri="{FF2B5EF4-FFF2-40B4-BE49-F238E27FC236}">
+                  <a16:creationId xmlns:a16="http://schemas.microsoft.com/office/drawing/2014/main" id="{743ECCAF-29C5-4537-947C-7EA1292463DB}"/>
+                </a:ext>
+                <a:ext uri="{C183D7F6-B498-43B3-948B-1728B52AA6E4}">
+                  <adec:decorative xmlns:adec="http://schemas.microsoft.com/office/drawing/2017/decorative" val="1"/>
+                </a:ext>
+              </a:extLst>
+            </p:cNvPr>
+            <p:cNvSpPr/>
+            <p:nvPr>
+              <p:extLst>
+                <p:ext uri="{386F3935-93C4-4BCD-93E2-E3B085C9AB24}">
+                  <p16:designElem xmlns:p16="http://schemas.microsoft.com/office/powerpoint/2015/main" val="1"/>
+                </p:ext>
+              </p:extLst>
+            </p:nvPr>
+          </p:nvSpPr>
+          <p:spPr>
+            <a:xfrm>
+              <a:off x="4715626" y="308034"/>
+              <a:ext cx="566743" cy="3428999"/>
+            </a:xfrm>
+            <a:prstGeom prst="rect">
+              <a:avLst/>
+            </a:prstGeom>
+            <a:grpFill/>
+            <a:ln>
+              <a:noFill/>
+            </a:ln>
+          </p:spPr>
+          <p:style>
+            <a:lnRef idx="2">
+              <a:schemeClr val="accent1">
+                <a:shade val="50000"/>
+              </a:schemeClr>
+            </a:lnRef>
+            <a:fillRef idx="1">
+              <a:schemeClr val="accent1"/>
+            </a:fillRef>
+            <a:effectRef idx="0">
+              <a:schemeClr val="accent1"/>
+            </a:effectRef>
+            <a:fontRef idx="minor">
+              <a:schemeClr val="lt1"/>
+            </a:fontRef>
+          </p:style>
+          <p:txBody>
+            <a:bodyPr rtlCol="0" anchor="ctr"/>
+            <a:lstStyle/>
+            <a:p>
+              <a:pPr algn="ctr"/>
+              <a:endParaRPr lang="en-US"/>
+            </a:p>
+          </p:txBody>
+        </p:sp>
+        <p:sp>
+          <p:nvSpPr>
+            <p:cNvPr id="28" name="Rectangle 27">
+              <a:extLst>
+                <a:ext uri="{FF2B5EF4-FFF2-40B4-BE49-F238E27FC236}">
+                  <a16:creationId xmlns:a16="http://schemas.microsoft.com/office/drawing/2014/main" id="{ED49787B-8DE6-4467-AD0A-8DECC6E0C2D6}"/>
+                </a:ext>
+                <a:ext uri="{C183D7F6-B498-43B3-948B-1728B52AA6E4}">
+                  <adec:decorative xmlns:adec="http://schemas.microsoft.com/office/drawing/2017/decorative" val="1"/>
+                </a:ext>
+              </a:extLst>
+            </p:cNvPr>
+            <p:cNvSpPr/>
+            <p:nvPr>
+              <p:extLst>
+                <p:ext uri="{386F3935-93C4-4BCD-93E2-E3B085C9AB24}">
+                  <p16:designElem xmlns:p16="http://schemas.microsoft.com/office/powerpoint/2015/main" val="1"/>
+                </p:ext>
+              </p:extLst>
+            </p:nvPr>
+          </p:nvSpPr>
+          <p:spPr>
+            <a:xfrm>
+              <a:off x="5490650" y="308034"/>
+              <a:ext cx="566743" cy="3428999"/>
+            </a:xfrm>
+            <a:prstGeom prst="rect">
+              <a:avLst/>
+            </a:prstGeom>
+            <a:grpFill/>
+            <a:ln>
+              <a:noFill/>
+            </a:ln>
+          </p:spPr>
+          <p:style>
+            <a:lnRef idx="2">
+              <a:schemeClr val="accent1">
+                <a:shade val="50000"/>
+              </a:schemeClr>
+            </a:lnRef>
+            <a:fillRef idx="1">
+              <a:schemeClr val="accent1"/>
+            </a:fillRef>
+            <a:effectRef idx="0">
+              <a:schemeClr val="accent1"/>
+            </a:effectRef>
+            <a:fontRef idx="minor">
+              <a:schemeClr val="lt1"/>
+            </a:fontRef>
+          </p:style>
+          <p:txBody>
+            <a:bodyPr rtlCol="0" anchor="ctr"/>
+            <a:lstStyle/>
+            <a:p>
+              <a:pPr algn="ctr"/>
+              <a:endParaRPr lang="en-US"/>
+            </a:p>
+          </p:txBody>
+        </p:sp>
+      </p:grpSp>
+      <p:sp>
+        <p:nvSpPr>
+          <p:cNvPr id="30" name="Rectangle 29">
+            <a:extLst>
+              <a:ext uri="{FF2B5EF4-FFF2-40B4-BE49-F238E27FC236}">
+                <a16:creationId xmlns:a16="http://schemas.microsoft.com/office/drawing/2014/main" id="{D5B0017B-2ECA-49AF-B397-DC140825DF8D}"/>
+              </a:ext>
+              <a:ext uri="{C183D7F6-B498-43B3-948B-1728B52AA6E4}">
+                <adec:decorative xmlns:adec="http://schemas.microsoft.com/office/drawing/2017/decorative" val="1"/>
+              </a:ext>
+            </a:extLst>
+          </p:cNvPr>
+          <p:cNvSpPr>
+            <a:spLocks noGrp="1" noRot="1" noChangeAspect="1" noMove="1" noResize="1" noEditPoints="1" noAdjustHandles="1" noChangeArrowheads="1" noChangeShapeType="1" noTextEdit="1"/>
+          </p:cNvSpPr>
+          <p:nvPr>
+            <p:extLst>
+              <p:ext uri="{386F3935-93C4-4BCD-93E2-E3B085C9AB24}">
+                <p16:designElem xmlns:p16="http://schemas.microsoft.com/office/powerpoint/2015/main" val="1"/>
+              </p:ext>
+            </p:extLst>
+          </p:nvPr>
+        </p:nvSpPr>
+        <p:spPr>
+          <a:xfrm>
+            <a:off x="640079" y="613954"/>
+            <a:ext cx="10907487" cy="1894116"/>
+          </a:xfrm>
+          <a:prstGeom prst="rect">
+            <a:avLst/>
+          </a:prstGeom>
+          <a:solidFill>
+            <a:schemeClr val="bg1"/>
+          </a:solidFill>
+          <a:ln>
+            <a:noFill/>
+          </a:ln>
+          <a:effectLst>
+            <a:outerShdw blurRad="139700" dist="127000" dir="5400000" algn="t" rotWithShape="0">
+              <a:prstClr val="black">
+                <a:alpha val="15000"/>
+              </a:prstClr>
+            </a:outerShdw>
+          </a:effectLst>
+        </p:spPr>
+        <p:style>
+          <a:lnRef idx="2">
+            <a:schemeClr val="accent1">
+              <a:shade val="50000"/>
+            </a:schemeClr>
+          </a:lnRef>
+          <a:fillRef idx="1">
+            <a:schemeClr val="accent1"/>
+          </a:fillRef>
+          <a:effectRef idx="0">
+            <a:schemeClr val="accent1"/>
+          </a:effectRef>
+          <a:fontRef idx="minor">
+            <a:schemeClr val="lt1"/>
+          </a:fontRef>
+        </p:style>
+        <p:txBody>
+          <a:bodyPr rtlCol="0" anchor="ctr"/>
+          <a:lstStyle/>
+          <a:p>
+            <a:pPr algn="ctr"/>
+            <a:endParaRPr lang="en-US"/>
+          </a:p>
+        </p:txBody>
+      </p:sp>
+      <p:sp>
+        <p:nvSpPr>
+          <p:cNvPr id="2" name="Title 1"/>
+          <p:cNvSpPr>
+            <a:spLocks noGrp="1"/>
+          </p:cNvSpPr>
+          <p:nvPr>
+            <p:ph type="title"/>
+          </p:nvPr>
+        </p:nvSpPr>
+        <p:spPr>
+          <a:xfrm>
+            <a:off x="1043631" y="809898"/>
+            <a:ext cx="10173010" cy="1554480"/>
+          </a:xfrm>
+        </p:spPr>
+        <p:txBody>
+          <a:bodyPr anchor="ctr">
+            <a:normAutofit/>
+          </a:bodyPr>
+          <a:lstStyle/>
+          <a:p>
+            <a:r>
+              <a:rPr lang="en-GB" sz="4800" dirty="0"/>
+              <a:t>5. Power BI Dashboard Highlights</a:t>
+            </a:r>
+          </a:p>
+        </p:txBody>
+      </p:sp>
+      <p:cxnSp>
+        <p:nvCxnSpPr>
+          <p:cNvPr id="32" name="Straight Connector 31">
+            <a:extLst>
+              <a:ext uri="{FF2B5EF4-FFF2-40B4-BE49-F238E27FC236}">
+                <a16:creationId xmlns:a16="http://schemas.microsoft.com/office/drawing/2014/main" id="{6CF1BAF6-AD41-4082-B212-8A1F9A2E8779}"/>
+              </a:ext>
+              <a:ext uri="{C183D7F6-B498-43B3-948B-1728B52AA6E4}">
+                <adec:decorative xmlns:adec="http://schemas.microsoft.com/office/drawing/2017/decorative" val="1"/>
+              </a:ext>
+            </a:extLst>
+          </p:cNvPr>
+          <p:cNvCxnSpPr>
+            <a:cxnSpLocks noGrp="1" noRot="1" noChangeAspect="1" noMove="1" noResize="1" noEditPoints="1" noAdjustHandles="1" noChangeArrowheads="1" noChangeShapeType="1"/>
+          </p:cNvCxnSpPr>
+          <p:nvPr>
+            <p:extLst>
+              <p:ext uri="{386F3935-93C4-4BCD-93E2-E3B085C9AB24}">
+                <p16:designElem xmlns:p16="http://schemas.microsoft.com/office/powerpoint/2015/main" val="1"/>
+              </p:ext>
+            </p:extLst>
+          </p:nvPr>
+        </p:nvCxnSpPr>
+        <p:spPr>
+          <a:xfrm flipH="1">
+            <a:off x="838200" y="6485313"/>
+            <a:ext cx="10515600" cy="0"/>
+          </a:xfrm>
+          <a:prstGeom prst="line">
+            <a:avLst/>
+          </a:prstGeom>
+          <a:ln w="57150">
+            <a:solidFill>
+              <a:schemeClr val="accent4"/>
+            </a:solidFill>
+          </a:ln>
+        </p:spPr>
+        <p:style>
+          <a:lnRef idx="1">
+            <a:schemeClr val="accent1"/>
+          </a:lnRef>
+          <a:fillRef idx="0">
+            <a:schemeClr val="accent1"/>
+          </a:fillRef>
+          <a:effectRef idx="0">
+            <a:schemeClr val="accent1"/>
+          </a:effectRef>
+          <a:fontRef idx="minor">
+            <a:schemeClr val="tx1"/>
+          </a:fontRef>
+        </p:style>
+      </p:cxnSp>
+      <p:graphicFrame>
+        <p:nvGraphicFramePr>
+          <p:cNvPr id="5" name="Content Placeholder 2">
+            <a:extLst>
+              <a:ext uri="{FF2B5EF4-FFF2-40B4-BE49-F238E27FC236}">
+                <a16:creationId xmlns:a16="http://schemas.microsoft.com/office/drawing/2014/main" id="{EE2165BB-1A1B-51F2-8FF9-4FDD23F1AC22}"/>
+              </a:ext>
+            </a:extLst>
+          </p:cNvPr>
+          <p:cNvGraphicFramePr>
+            <a:graphicFrameLocks noGrp="1"/>
+          </p:cNvGraphicFramePr>
+          <p:nvPr>
+            <p:ph idx="1"/>
+            <p:extLst>
+              <p:ext uri="{D42A27DB-BD31-4B8C-83A1-F6EECF244321}">
+                <p14:modId xmlns:p14="http://schemas.microsoft.com/office/powerpoint/2010/main" val="1347673187"/>
+              </p:ext>
+            </p:extLst>
+          </p:nvPr>
+        </p:nvGraphicFramePr>
+        <p:xfrm>
+          <a:off x="904602" y="3017519"/>
+          <a:ext cx="10378440" cy="3209902"/>
+        </p:xfrm>
+        <a:graphic>
+          <a:graphicData uri="http://schemas.openxmlformats.org/drawingml/2006/diagram">
+            <dgm:relIds xmlns:dgm="http://schemas.openxmlformats.org/drawingml/2006/diagram" xmlns:r="http://schemas.openxmlformats.org/officeDocument/2006/relationships" r:dm="rId2" r:lo="rId3" r:qs="rId4" r:cs="rId5"/>
+          </a:graphicData>
+        </a:graphic>
+      </p:graphicFrame>
+    </p:spTree>
+  </p:cSld>
+  <p:clrMapOvr>
+    <a:masterClrMapping/>
+  </p:clrMapOvr>
+</p:sld>
+</file>
+
+<file path=ppt/slides/slide11.xml><?xml version="1.0" encoding="utf-8"?>
+<p:sld xmlns:a="http://schemas.openxmlformats.org/drawingml/2006/main" xmlns:r="http://schemas.openxmlformats.org/officeDocument/2006/relationships" xmlns:p="http://schemas.openxmlformats.org/presentationml/2006/main">
+  <p:cSld>
+    <p:bg>
+      <p:bgPr>
+        <a:solidFill>
+          <a:schemeClr val="bg1"/>
+        </a:solidFill>
+        <a:effectLst/>
+      </p:bgPr>
+    </p:bg>
+    <p:spTree>
+      <p:nvGrpSpPr>
+        <p:cNvPr id="1" name=""/>
+        <p:cNvGrpSpPr/>
+        <p:nvPr/>
+      </p:nvGrpSpPr>
+      <p:grpSpPr>
+        <a:xfrm>
+          <a:off x="0" y="0"/>
+          <a:ext cx="0" cy="0"/>
+          <a:chOff x="0" y="0"/>
+          <a:chExt cx="0" cy="0"/>
+        </a:xfrm>
+      </p:grpSpPr>
+      <p:sp useBgFill="1">
+        <p:nvSpPr>
           <p:cNvPr id="9" name="Rectangle 8">
             <a:extLst>
               <a:ext uri="{FF2B5EF4-FFF2-40B4-BE49-F238E27FC236}">
@@ -26979,7 +27472,7 @@
 </p:sld>
 </file>
 
-<file path=ppt/slides/slide11.xml><?xml version="1.0" encoding="utf-8"?>
+<file path=ppt/slides/slide12.xml><?xml version="1.0" encoding="utf-8"?>
 <p:sld xmlns:a="http://schemas.openxmlformats.org/drawingml/2006/main" xmlns:r="http://schemas.openxmlformats.org/officeDocument/2006/relationships" xmlns:p="http://schemas.openxmlformats.org/presentationml/2006/main">
   <p:cSld>
     <p:bg>
@@ -27307,7 +27800,7 @@
 </p:sld>
 </file>
 
-<file path=ppt/slides/slide12.xml><?xml version="1.0" encoding="utf-8"?>
+<file path=ppt/slides/slide13.xml><?xml version="1.0" encoding="utf-8"?>
 <p:sld xmlns:a="http://schemas.openxmlformats.org/drawingml/2006/main" xmlns:r="http://schemas.openxmlformats.org/officeDocument/2006/relationships" xmlns:p="http://schemas.openxmlformats.org/presentationml/2006/main">
   <p:cSld>
     <p:bg>
@@ -27800,7 +28293,7 @@
 </p:sld>
 </file>
 
-<file path=ppt/slides/slide13.xml><?xml version="1.0" encoding="utf-8"?>
+<file path=ppt/slides/slide14.xml><?xml version="1.0" encoding="utf-8"?>
 <p:sld xmlns:a="http://schemas.openxmlformats.org/drawingml/2006/main" xmlns:r="http://schemas.openxmlformats.org/officeDocument/2006/relationships" xmlns:p="http://schemas.openxmlformats.org/presentationml/2006/main">
   <p:cSld>
     <p:bg>
@@ -28436,7 +28929,7 @@
 </p:sld>
 </file>
 
-<file path=ppt/slides/slide14.xml><?xml version="1.0" encoding="utf-8"?>
+<file path=ppt/slides/slide15.xml><?xml version="1.0" encoding="utf-8"?>
 <p:sld xmlns:a="http://schemas.openxmlformats.org/drawingml/2006/main" xmlns:r="http://schemas.openxmlformats.org/officeDocument/2006/relationships" xmlns:p="http://schemas.openxmlformats.org/presentationml/2006/main">
   <p:cSld>
     <p:bg>
@@ -28764,7 +29257,7 @@
 </p:sld>
 </file>
 
-<file path=ppt/slides/slide15.xml><?xml version="1.0" encoding="utf-8"?>
+<file path=ppt/slides/slide16.xml><?xml version="1.0" encoding="utf-8"?>
 <p:sld xmlns:a="http://schemas.openxmlformats.org/drawingml/2006/main" xmlns:r="http://schemas.openxmlformats.org/officeDocument/2006/relationships" xmlns:p="http://schemas.openxmlformats.org/presentationml/2006/main">
   <p:cSld>
     <p:bg>
@@ -29122,7 +29615,7 @@
 </p:sld>
 </file>
 
-<file path=ppt/slides/slide16.xml><?xml version="1.0" encoding="utf-8"?>
+<file path=ppt/slides/slide17.xml><?xml version="1.0" encoding="utf-8"?>
 <p:sld xmlns:a="http://schemas.openxmlformats.org/drawingml/2006/main" xmlns:r="http://schemas.openxmlformats.org/officeDocument/2006/relationships" xmlns:p="http://schemas.openxmlformats.org/presentationml/2006/main">
   <p:cSld>
     <p:bg>
@@ -29758,7 +30251,7 @@
 </p:sld>
 </file>
 
-<file path=ppt/slides/slide17.xml><?xml version="1.0" encoding="utf-8"?>
+<file path=ppt/slides/slide18.xml><?xml version="1.0" encoding="utf-8"?>
 <p:sld xmlns:a="http://schemas.openxmlformats.org/drawingml/2006/main" xmlns:r="http://schemas.openxmlformats.org/officeDocument/2006/relationships" xmlns:p="http://schemas.openxmlformats.org/presentationml/2006/main">
   <p:cSld>
     <p:bg>
@@ -30394,7 +30887,7 @@
 </p:sld>
 </file>
 
-<file path=ppt/slides/slide18.xml><?xml version="1.0" encoding="utf-8"?>
+<file path=ppt/slides/slide19.xml><?xml version="1.0" encoding="utf-8"?>
 <p:sld xmlns:a="http://schemas.openxmlformats.org/drawingml/2006/main" xmlns:r="http://schemas.openxmlformats.org/officeDocument/2006/relationships" xmlns:p="http://schemas.openxmlformats.org/presentationml/2006/main">
   <p:cSld>
     <p:bg>
@@ -30885,7 +31378,401 @@
 </p:sld>
 </file>
 
-<file path=ppt/slides/slide19.xml><?xml version="1.0" encoding="utf-8"?>
+<file path=ppt/slides/slide2.xml><?xml version="1.0" encoding="utf-8"?>
+<p:sld xmlns:a="http://schemas.openxmlformats.org/drawingml/2006/main" xmlns:r="http://schemas.openxmlformats.org/officeDocument/2006/relationships" xmlns:p="http://schemas.openxmlformats.org/presentationml/2006/main">
+  <p:cSld>
+    <p:bg>
+      <p:bgPr>
+        <a:solidFill>
+          <a:schemeClr val="bg1"/>
+        </a:solidFill>
+        <a:effectLst/>
+      </p:bgPr>
+    </p:bg>
+    <p:spTree>
+      <p:nvGrpSpPr>
+        <p:cNvPr id="1" name=""/>
+        <p:cNvGrpSpPr/>
+        <p:nvPr/>
+      </p:nvGrpSpPr>
+      <p:grpSpPr>
+        <a:xfrm>
+          <a:off x="0" y="0"/>
+          <a:ext cx="0" cy="0"/>
+          <a:chOff x="0" y="0"/>
+          <a:chExt cx="0" cy="0"/>
+        </a:xfrm>
+      </p:grpSpPr>
+      <p:sp useBgFill="1">
+        <p:nvSpPr>
+          <p:cNvPr id="19" name="Rectangle 18">
+            <a:extLst>
+              <a:ext uri="{FF2B5EF4-FFF2-40B4-BE49-F238E27FC236}">
+                <a16:creationId xmlns:a16="http://schemas.microsoft.com/office/drawing/2014/main" id="{907EF6B7-1338-4443-8C46-6A318D952DFD}"/>
+              </a:ext>
+              <a:ext uri="{C183D7F6-B498-43B3-948B-1728B52AA6E4}">
+                <adec:decorative xmlns:adec="http://schemas.microsoft.com/office/drawing/2017/decorative" val="1"/>
+              </a:ext>
+            </a:extLst>
+          </p:cNvPr>
+          <p:cNvSpPr>
+            <a:spLocks noGrp="1" noRot="1" noChangeAspect="1" noMove="1" noResize="1" noEditPoints="1" noAdjustHandles="1" noChangeArrowheads="1" noChangeShapeType="1" noTextEdit="1"/>
+          </p:cNvSpPr>
+          <p:nvPr>
+            <p:extLst>
+              <p:ext uri="{386F3935-93C4-4BCD-93E2-E3B085C9AB24}">
+                <p16:designElem xmlns:p16="http://schemas.microsoft.com/office/powerpoint/2015/main" val="1"/>
+              </p:ext>
+            </p:extLst>
+          </p:nvPr>
+        </p:nvSpPr>
+        <p:spPr>
+          <a:xfrm>
+            <a:off x="3048" y="0"/>
+            <a:ext cx="12188952" cy="6858000"/>
+          </a:xfrm>
+          <a:prstGeom prst="rect">
+            <a:avLst/>
+          </a:prstGeom>
+          <a:ln>
+            <a:noFill/>
+          </a:ln>
+        </p:spPr>
+        <p:style>
+          <a:lnRef idx="2">
+            <a:schemeClr val="accent1">
+              <a:shade val="50000"/>
+            </a:schemeClr>
+          </a:lnRef>
+          <a:fillRef idx="1">
+            <a:schemeClr val="accent1"/>
+          </a:fillRef>
+          <a:effectRef idx="0">
+            <a:schemeClr val="accent1"/>
+          </a:effectRef>
+          <a:fontRef idx="minor">
+            <a:schemeClr val="lt1"/>
+          </a:fontRef>
+        </p:style>
+        <p:txBody>
+          <a:bodyPr rtlCol="0" anchor="ctr"/>
+          <a:lstStyle/>
+          <a:p>
+            <a:pPr algn="ctr"/>
+            <a:endParaRPr lang="en-US"/>
+          </a:p>
+        </p:txBody>
+      </p:sp>
+      <p:sp>
+        <p:nvSpPr>
+          <p:cNvPr id="21" name="Freeform: Shape 20">
+            <a:extLst>
+              <a:ext uri="{FF2B5EF4-FFF2-40B4-BE49-F238E27FC236}">
+                <a16:creationId xmlns:a16="http://schemas.microsoft.com/office/drawing/2014/main" id="{DAAE4CDD-124C-4DCF-9584-B6033B545DD5}"/>
+              </a:ext>
+              <a:ext uri="{C183D7F6-B498-43B3-948B-1728B52AA6E4}">
+                <adec:decorative xmlns:adec="http://schemas.microsoft.com/office/drawing/2017/decorative" val="1"/>
+              </a:ext>
+            </a:extLst>
+          </p:cNvPr>
+          <p:cNvSpPr>
+            <a:spLocks noGrp="1" noRot="1" noChangeAspect="1" noMove="1" noResize="1" noEditPoints="1" noAdjustHandles="1" noChangeArrowheads="1" noChangeShapeType="1" noTextEdit="1"/>
+          </p:cNvSpPr>
+          <p:nvPr>
+            <p:extLst>
+              <p:ext uri="{386F3935-93C4-4BCD-93E2-E3B085C9AB24}">
+                <p16:designElem xmlns:p16="http://schemas.microsoft.com/office/powerpoint/2015/main" val="1"/>
+              </p:ext>
+            </p:extLst>
+          </p:nvPr>
+        </p:nvSpPr>
+        <p:spPr>
+          <a:xfrm>
+            <a:off x="1" y="0"/>
+            <a:ext cx="4167271" cy="6858000"/>
+          </a:xfrm>
+          <a:custGeom>
+            <a:avLst/>
+            <a:gdLst>
+              <a:gd name="connsiteX0" fmla="*/ 0 w 4167271"/>
+              <a:gd name="connsiteY0" fmla="*/ 0 h 6858000"/>
+              <a:gd name="connsiteX1" fmla="*/ 2259550 w 4167271"/>
+              <a:gd name="connsiteY1" fmla="*/ 0 h 6858000"/>
+              <a:gd name="connsiteX2" fmla="*/ 2387803 w 4167271"/>
+              <a:gd name="connsiteY2" fmla="*/ 82222 h 6858000"/>
+              <a:gd name="connsiteX3" fmla="*/ 4167271 w 4167271"/>
+              <a:gd name="connsiteY3" fmla="*/ 3429000 h 6858000"/>
+              <a:gd name="connsiteX4" fmla="*/ 2387803 w 4167271"/>
+              <a:gd name="connsiteY4" fmla="*/ 6775779 h 6858000"/>
+              <a:gd name="connsiteX5" fmla="*/ 2259550 w 4167271"/>
+              <a:gd name="connsiteY5" fmla="*/ 6858000 h 6858000"/>
+              <a:gd name="connsiteX6" fmla="*/ 0 w 4167271"/>
+              <a:gd name="connsiteY6" fmla="*/ 6858000 h 6858000"/>
+            </a:gdLst>
+            <a:ahLst/>
+            <a:cxnLst>
+              <a:cxn ang="0">
+                <a:pos x="connsiteX0" y="connsiteY0"/>
+              </a:cxn>
+              <a:cxn ang="0">
+                <a:pos x="connsiteX1" y="connsiteY1"/>
+              </a:cxn>
+              <a:cxn ang="0">
+                <a:pos x="connsiteX2" y="connsiteY2"/>
+              </a:cxn>
+              <a:cxn ang="0">
+                <a:pos x="connsiteX3" y="connsiteY3"/>
+              </a:cxn>
+              <a:cxn ang="0">
+                <a:pos x="connsiteX4" y="connsiteY4"/>
+              </a:cxn>
+              <a:cxn ang="0">
+                <a:pos x="connsiteX5" y="connsiteY5"/>
+              </a:cxn>
+              <a:cxn ang="0">
+                <a:pos x="connsiteX6" y="connsiteY6"/>
+              </a:cxn>
+            </a:cxnLst>
+            <a:rect l="l" t="t" r="r" b="b"/>
+            <a:pathLst>
+              <a:path w="4167271" h="6858000">
+                <a:moveTo>
+                  <a:pt x="0" y="0"/>
+                </a:moveTo>
+                <a:lnTo>
+                  <a:pt x="2259550" y="0"/>
+                </a:lnTo>
+                <a:lnTo>
+                  <a:pt x="2387803" y="82222"/>
+                </a:lnTo>
+                <a:cubicBezTo>
+                  <a:pt x="3461407" y="807534"/>
+                  <a:pt x="4167271" y="2035835"/>
+                  <a:pt x="4167271" y="3429000"/>
+                </a:cubicBezTo>
+                <a:cubicBezTo>
+                  <a:pt x="4167271" y="4822165"/>
+                  <a:pt x="3461407" y="6050467"/>
+                  <a:pt x="2387803" y="6775779"/>
+                </a:cubicBezTo>
+                <a:lnTo>
+                  <a:pt x="2259550" y="6858000"/>
+                </a:lnTo>
+                <a:lnTo>
+                  <a:pt x="0" y="6858000"/>
+                </a:lnTo>
+                <a:close/>
+              </a:path>
+            </a:pathLst>
+          </a:custGeom>
+          <a:solidFill>
+            <a:schemeClr val="accent2"/>
+          </a:solidFill>
+          <a:ln>
+            <a:noFill/>
+          </a:ln>
+        </p:spPr>
+        <p:style>
+          <a:lnRef idx="2">
+            <a:schemeClr val="accent1">
+              <a:shade val="50000"/>
+            </a:schemeClr>
+          </a:lnRef>
+          <a:fillRef idx="1">
+            <a:schemeClr val="accent1"/>
+          </a:fillRef>
+          <a:effectRef idx="0">
+            <a:schemeClr val="accent1"/>
+          </a:effectRef>
+          <a:fontRef idx="minor">
+            <a:schemeClr val="lt1"/>
+          </a:fontRef>
+        </p:style>
+        <p:txBody>
+          <a:bodyPr rtlCol="0" anchor="ctr"/>
+          <a:lstStyle/>
+          <a:p>
+            <a:pPr algn="ctr"/>
+            <a:endParaRPr lang="en-US"/>
+          </a:p>
+        </p:txBody>
+      </p:sp>
+      <p:sp>
+        <p:nvSpPr>
+          <p:cNvPr id="2" name="Title 1"/>
+          <p:cNvSpPr>
+            <a:spLocks noGrp="1"/>
+          </p:cNvSpPr>
+          <p:nvPr>
+            <p:ph type="ctrTitle"/>
+          </p:nvPr>
+        </p:nvSpPr>
+        <p:spPr>
+          <a:xfrm>
+            <a:off x="686834" y="1153572"/>
+            <a:ext cx="3200400" cy="4461163"/>
+          </a:xfrm>
+        </p:spPr>
+        <p:txBody>
+          <a:bodyPr vert="horz" lIns="91440" tIns="45720" rIns="91440" bIns="45720" rtlCol="0" anchor="ctr">
+            <a:normAutofit/>
+          </a:bodyPr>
+          <a:lstStyle/>
+          <a:p>
+            <a:pPr algn="l"/>
+            <a:r>
+              <a:rPr lang="en-US" sz="4400" b="1" kern="1200">
+                <a:solidFill>
+                  <a:srgbClr val="FFFFFF"/>
+                </a:solidFill>
+                <a:latin typeface="+mj-lt"/>
+                <a:ea typeface="+mj-ea"/>
+                <a:cs typeface="+mj-cs"/>
+              </a:rPr>
+              <a:t>Group Members:</a:t>
+            </a:r>
+            <a:br>
+              <a:rPr lang="en-US" sz="4400" b="1" kern="1200">
+                <a:solidFill>
+                  <a:srgbClr val="FFFFFF"/>
+                </a:solidFill>
+                <a:latin typeface="+mj-lt"/>
+                <a:ea typeface="+mj-ea"/>
+                <a:cs typeface="+mj-cs"/>
+              </a:rPr>
+            </a:br>
+            <a:endParaRPr lang="en-US" sz="4400" b="1" kern="1200">
+              <a:solidFill>
+                <a:srgbClr val="FFFFFF"/>
+              </a:solidFill>
+              <a:latin typeface="+mj-lt"/>
+              <a:ea typeface="+mj-ea"/>
+              <a:cs typeface="+mj-cs"/>
+            </a:endParaRPr>
+          </a:p>
+        </p:txBody>
+      </p:sp>
+      <p:sp>
+        <p:nvSpPr>
+          <p:cNvPr id="23" name="Arc 22">
+            <a:extLst>
+              <a:ext uri="{FF2B5EF4-FFF2-40B4-BE49-F238E27FC236}">
+                <a16:creationId xmlns:a16="http://schemas.microsoft.com/office/drawing/2014/main" id="{081E4A58-353D-44AE-B2FC-2A74E2E400F7}"/>
+              </a:ext>
+              <a:ext uri="{C183D7F6-B498-43B3-948B-1728B52AA6E4}">
+                <adec:decorative xmlns:adec="http://schemas.microsoft.com/office/drawing/2017/decorative" val="1"/>
+              </a:ext>
+            </a:extLst>
+          </p:cNvPr>
+          <p:cNvSpPr>
+            <a:spLocks noGrp="1" noRot="1" noChangeAspect="1" noMove="1" noResize="1" noEditPoints="1" noAdjustHandles="1" noChangeArrowheads="1" noChangeShapeType="1" noTextEdit="1"/>
+          </p:cNvSpPr>
+          <p:nvPr>
+            <p:extLst>
+              <p:ext uri="{386F3935-93C4-4BCD-93E2-E3B085C9AB24}">
+                <p16:designElem xmlns:p16="http://schemas.microsoft.com/office/powerpoint/2015/main" val="1"/>
+              </p:ext>
+            </p:extLst>
+          </p:nvPr>
+        </p:nvSpPr>
+        <p:spPr>
+          <a:xfrm flipV="1">
+            <a:off x="7550402" y="2455479"/>
+            <a:ext cx="4083433" cy="4083433"/>
+          </a:xfrm>
+          <a:prstGeom prst="arc">
+            <a:avLst/>
+          </a:prstGeom>
+          <a:ln w="127000" cap="rnd">
+            <a:solidFill>
+              <a:schemeClr val="accent4"/>
+            </a:solidFill>
+            <a:prstDash val="dash"/>
+          </a:ln>
+        </p:spPr>
+        <p:style>
+          <a:lnRef idx="1">
+            <a:schemeClr val="accent1"/>
+          </a:lnRef>
+          <a:fillRef idx="0">
+            <a:schemeClr val="accent1"/>
+          </a:fillRef>
+          <a:effectRef idx="0">
+            <a:schemeClr val="accent1"/>
+          </a:effectRef>
+          <a:fontRef idx="minor">
+            <a:schemeClr val="tx1"/>
+          </a:fontRef>
+        </p:style>
+        <p:txBody>
+          <a:bodyPr rtlCol="0" anchor="ctr"/>
+          <a:lstStyle/>
+          <a:p>
+            <a:pPr algn="ctr"/>
+            <a:endParaRPr lang="en-US" dirty="0"/>
+          </a:p>
+        </p:txBody>
+      </p:sp>
+      <p:sp>
+        <p:nvSpPr>
+          <p:cNvPr id="3" name="Subtitle 2"/>
+          <p:cNvSpPr>
+            <a:spLocks noGrp="1"/>
+          </p:cNvSpPr>
+          <p:nvPr>
+            <p:ph type="subTitle" idx="1"/>
+          </p:nvPr>
+        </p:nvSpPr>
+        <p:spPr>
+          <a:xfrm>
+            <a:off x="4641599" y="591344"/>
+            <a:ext cx="6712200" cy="5585619"/>
+          </a:xfrm>
+        </p:spPr>
+        <p:txBody>
+          <a:bodyPr vert="horz" lIns="91440" tIns="45720" rIns="91440" bIns="45720" rtlCol="0" anchor="ctr">
+            <a:normAutofit/>
+          </a:bodyPr>
+          <a:lstStyle/>
+          <a:p>
+            <a:pPr algn="l"/>
+            <a:r>
+              <a:rPr lang="en-US" dirty="0"/>
+              <a:t>• Olabode Durosinmi</a:t>
+            </a:r>
+          </a:p>
+          <a:p>
+            <a:pPr algn="l"/>
+            <a:r>
+              <a:rPr lang="en-US" dirty="0"/>
+              <a:t>• Georgina Joe .O</a:t>
+            </a:r>
+          </a:p>
+          <a:p>
+            <a:pPr algn="l"/>
+            <a:r>
+              <a:rPr lang="en-US" dirty="0"/>
+              <a:t>• George Okafor</a:t>
+            </a:r>
+          </a:p>
+          <a:p>
+            <a:pPr algn="l"/>
+            <a:r>
+              <a:rPr lang="en-US" dirty="0"/>
+              <a:t>• Chinedu Abuaja</a:t>
+            </a:r>
+          </a:p>
+        </p:txBody>
+      </p:sp>
+    </p:spTree>
+  </p:cSld>
+  <p:clrMapOvr>
+    <a:masterClrMapping/>
+  </p:clrMapOvr>
+</p:sld>
+</file>
+
+<file path=ppt/slides/slide20.xml><?xml version="1.0" encoding="utf-8"?>
 <p:sld xmlns:a="http://schemas.openxmlformats.org/drawingml/2006/main" xmlns:r="http://schemas.openxmlformats.org/officeDocument/2006/relationships" xmlns:p="http://schemas.openxmlformats.org/presentationml/2006/main">
   <p:cSld>
     <p:bg>
@@ -31065,1000 +31952,7 @@
 </p:sld>
 </file>
 
-<file path=ppt/slides/slide2.xml><?xml version="1.0" encoding="utf-8"?>
-<p:sld xmlns:a="http://schemas.openxmlformats.org/drawingml/2006/main" xmlns:r="http://schemas.openxmlformats.org/officeDocument/2006/relationships" xmlns:p="http://schemas.openxmlformats.org/presentationml/2006/main">
-  <p:cSld>
-    <p:bg>
-      <p:bgPr>
-        <a:solidFill>
-          <a:schemeClr val="bg1"/>
-        </a:solidFill>
-        <a:effectLst/>
-      </p:bgPr>
-    </p:bg>
-    <p:spTree>
-      <p:nvGrpSpPr>
-        <p:cNvPr id="1" name=""/>
-        <p:cNvGrpSpPr/>
-        <p:nvPr/>
-      </p:nvGrpSpPr>
-      <p:grpSpPr>
-        <a:xfrm>
-          <a:off x="0" y="0"/>
-          <a:ext cx="0" cy="0"/>
-          <a:chOff x="0" y="0"/>
-          <a:chExt cx="0" cy="0"/>
-        </a:xfrm>
-      </p:grpSpPr>
-      <p:sp useBgFill="1">
-        <p:nvSpPr>
-          <p:cNvPr id="9" name="Rectangle 8">
-            <a:extLst>
-              <a:ext uri="{FF2B5EF4-FFF2-40B4-BE49-F238E27FC236}">
-                <a16:creationId xmlns:a16="http://schemas.microsoft.com/office/drawing/2014/main" id="{327D73B4-9F5C-4A64-A179-51B9500CB8B5}"/>
-              </a:ext>
-              <a:ext uri="{C183D7F6-B498-43B3-948B-1728B52AA6E4}">
-                <adec:decorative xmlns:adec="http://schemas.microsoft.com/office/drawing/2017/decorative" val="1"/>
-              </a:ext>
-            </a:extLst>
-          </p:cNvPr>
-          <p:cNvSpPr>
-            <a:spLocks noGrp="1" noRot="1" noChangeAspect="1" noMove="1" noResize="1" noEditPoints="1" noAdjustHandles="1" noChangeArrowheads="1" noChangeShapeType="1" noTextEdit="1"/>
-          </p:cNvSpPr>
-          <p:nvPr>
-            <p:extLst>
-              <p:ext uri="{386F3935-93C4-4BCD-93E2-E3B085C9AB24}">
-                <p16:designElem xmlns:p16="http://schemas.microsoft.com/office/powerpoint/2015/main" val="1"/>
-              </p:ext>
-            </p:extLst>
-          </p:nvPr>
-        </p:nvSpPr>
-        <p:spPr>
-          <a:xfrm>
-            <a:off x="0" y="0"/>
-            <a:ext cx="12192000" cy="6858000"/>
-          </a:xfrm>
-          <a:prstGeom prst="rect">
-            <a:avLst/>
-          </a:prstGeom>
-          <a:ln>
-            <a:noFill/>
-          </a:ln>
-        </p:spPr>
-        <p:style>
-          <a:lnRef idx="2">
-            <a:schemeClr val="accent1">
-              <a:shade val="50000"/>
-            </a:schemeClr>
-          </a:lnRef>
-          <a:fillRef idx="1">
-            <a:schemeClr val="accent1"/>
-          </a:fillRef>
-          <a:effectRef idx="0">
-            <a:schemeClr val="accent1"/>
-          </a:effectRef>
-          <a:fontRef idx="minor">
-            <a:schemeClr val="lt1"/>
-          </a:fontRef>
-        </p:style>
-        <p:txBody>
-          <a:bodyPr rtlCol="0" anchor="ctr"/>
-          <a:lstStyle/>
-          <a:p>
-            <a:pPr algn="ctr"/>
-            <a:endParaRPr lang="en-US"/>
-          </a:p>
-        </p:txBody>
-      </p:sp>
-      <p:sp>
-        <p:nvSpPr>
-          <p:cNvPr id="11" name="Oval 10">
-            <a:extLst>
-              <a:ext uri="{FF2B5EF4-FFF2-40B4-BE49-F238E27FC236}">
-                <a16:creationId xmlns:a16="http://schemas.microsoft.com/office/drawing/2014/main" id="{C1F06963-6374-4B48-844F-071A9BAAAE02}"/>
-              </a:ext>
-              <a:ext uri="{C183D7F6-B498-43B3-948B-1728B52AA6E4}">
-                <adec:decorative xmlns:adec="http://schemas.microsoft.com/office/drawing/2017/decorative" val="1"/>
-              </a:ext>
-            </a:extLst>
-          </p:cNvPr>
-          <p:cNvSpPr>
-            <a:spLocks noGrp="1" noRot="1" noChangeAspect="1" noMove="1" noResize="1" noEditPoints="1" noAdjustHandles="1" noChangeArrowheads="1" noChangeShapeType="1" noTextEdit="1"/>
-          </p:cNvSpPr>
-          <p:nvPr>
-            <p:extLst>
-              <p:ext uri="{386F3935-93C4-4BCD-93E2-E3B085C9AB24}">
-                <p16:designElem xmlns:p16="http://schemas.microsoft.com/office/powerpoint/2015/main" val="1"/>
-              </p:ext>
-            </p:extLst>
-          </p:nvPr>
-        </p:nvSpPr>
-        <p:spPr>
-          <a:xfrm>
-            <a:off x="199528" y="554152"/>
-            <a:ext cx="5742189" cy="5742189"/>
-          </a:xfrm>
-          <a:prstGeom prst="ellipse">
-            <a:avLst/>
-          </a:prstGeom>
-          <a:gradFill flip="none" rotWithShape="1">
-            <a:gsLst>
-              <a:gs pos="0">
-                <a:schemeClr val="accent1"/>
-              </a:gs>
-              <a:gs pos="100000">
-                <a:schemeClr val="accent2"/>
-              </a:gs>
-            </a:gsLst>
-            <a:lin ang="2700000" scaled="1"/>
-            <a:tileRect/>
-          </a:gradFill>
-          <a:ln>
-            <a:noFill/>
-          </a:ln>
-        </p:spPr>
-        <p:style>
-          <a:lnRef idx="2">
-            <a:schemeClr val="accent1">
-              <a:shade val="50000"/>
-            </a:schemeClr>
-          </a:lnRef>
-          <a:fillRef idx="1">
-            <a:schemeClr val="accent1"/>
-          </a:fillRef>
-          <a:effectRef idx="0">
-            <a:schemeClr val="accent1"/>
-          </a:effectRef>
-          <a:fontRef idx="minor">
-            <a:schemeClr val="lt1"/>
-          </a:fontRef>
-        </p:style>
-        <p:txBody>
-          <a:bodyPr rtlCol="0" anchor="ctr"/>
-          <a:lstStyle/>
-          <a:p>
-            <a:pPr algn="ctr"/>
-            <a:endParaRPr lang="en-US"/>
-          </a:p>
-        </p:txBody>
-      </p:sp>
-      <p:sp>
-        <p:nvSpPr>
-          <p:cNvPr id="2" name="Title 1">
-            <a:extLst>
-              <a:ext uri="{FF2B5EF4-FFF2-40B4-BE49-F238E27FC236}">
-                <a16:creationId xmlns:a16="http://schemas.microsoft.com/office/drawing/2014/main" id="{7FA3A703-C72C-E684-5CE4-2D4BE588178A}"/>
-              </a:ext>
-            </a:extLst>
-          </p:cNvPr>
-          <p:cNvSpPr>
-            <a:spLocks noGrp="1"/>
-          </p:cNvSpPr>
-          <p:nvPr>
-            <p:ph type="title"/>
-          </p:nvPr>
-        </p:nvSpPr>
-        <p:spPr>
-          <a:xfrm>
-            <a:off x="1245072" y="1289765"/>
-            <a:ext cx="3651101" cy="4270963"/>
-          </a:xfrm>
-        </p:spPr>
-        <p:txBody>
-          <a:bodyPr anchor="ctr">
-            <a:normAutofit/>
-          </a:bodyPr>
-          <a:lstStyle/>
-          <a:p>
-            <a:pPr algn="ctr"/>
-            <a:r>
-              <a:rPr lang="en-GB" sz="5600" b="1" dirty="0">
-                <a:solidFill>
-                  <a:srgbClr val="FFFFFF"/>
-                </a:solidFill>
-              </a:rPr>
-              <a:t>Project Scope</a:t>
-            </a:r>
-          </a:p>
-        </p:txBody>
-      </p:sp>
-      <p:sp>
-        <p:nvSpPr>
-          <p:cNvPr id="13" name="Graphic 11">
-            <a:extLst>
-              <a:ext uri="{FF2B5EF4-FFF2-40B4-BE49-F238E27FC236}">
-                <a16:creationId xmlns:a16="http://schemas.microsoft.com/office/drawing/2014/main" id="{6CB927A4-E432-4310-9CD5-E89FF5063179}"/>
-              </a:ext>
-              <a:ext uri="{C183D7F6-B498-43B3-948B-1728B52AA6E4}">
-                <adec:decorative xmlns:adec="http://schemas.microsoft.com/office/drawing/2017/decorative" val="1"/>
-              </a:ext>
-            </a:extLst>
-          </p:cNvPr>
-          <p:cNvSpPr>
-            <a:spLocks noGrp="1" noRot="1" noChangeAspect="1" noMove="1" noResize="1" noEditPoints="1" noAdjustHandles="1" noChangeArrowheads="1" noChangeShapeType="1" noTextEdit="1"/>
-          </p:cNvSpPr>
-          <p:nvPr>
-            <p:extLst>
-              <p:ext uri="{386F3935-93C4-4BCD-93E2-E3B085C9AB24}">
-                <p16:designElem xmlns:p16="http://schemas.microsoft.com/office/powerpoint/2015/main" val="1"/>
-              </p:ext>
-            </p:extLst>
-          </p:nvPr>
-        </p:nvSpPr>
-        <p:spPr>
-          <a:xfrm>
-            <a:off x="1123493" y="374394"/>
-            <a:ext cx="171515" cy="171515"/>
-          </a:xfrm>
-          <a:custGeom>
-            <a:avLst/>
-            <a:gdLst>
-              <a:gd name="connsiteX0" fmla="*/ 159874 w 171515"/>
-              <a:gd name="connsiteY0" fmla="*/ 74116 h 171515"/>
-              <a:gd name="connsiteX1" fmla="*/ 97399 w 171515"/>
-              <a:gd name="connsiteY1" fmla="*/ 74116 h 171515"/>
-              <a:gd name="connsiteX2" fmla="*/ 97399 w 171515"/>
-              <a:gd name="connsiteY2" fmla="*/ 11641 h 171515"/>
-              <a:gd name="connsiteX3" fmla="*/ 85758 w 171515"/>
-              <a:gd name="connsiteY3" fmla="*/ 0 h 171515"/>
-              <a:gd name="connsiteX4" fmla="*/ 74116 w 171515"/>
-              <a:gd name="connsiteY4" fmla="*/ 11641 h 171515"/>
-              <a:gd name="connsiteX5" fmla="*/ 74116 w 171515"/>
-              <a:gd name="connsiteY5" fmla="*/ 74116 h 171515"/>
-              <a:gd name="connsiteX6" fmla="*/ 11641 w 171515"/>
-              <a:gd name="connsiteY6" fmla="*/ 74116 h 171515"/>
-              <a:gd name="connsiteX7" fmla="*/ 0 w 171515"/>
-              <a:gd name="connsiteY7" fmla="*/ 85758 h 171515"/>
-              <a:gd name="connsiteX8" fmla="*/ 11641 w 171515"/>
-              <a:gd name="connsiteY8" fmla="*/ 97399 h 171515"/>
-              <a:gd name="connsiteX9" fmla="*/ 74116 w 171515"/>
-              <a:gd name="connsiteY9" fmla="*/ 97399 h 171515"/>
-              <a:gd name="connsiteX10" fmla="*/ 74116 w 171515"/>
-              <a:gd name="connsiteY10" fmla="*/ 159874 h 171515"/>
-              <a:gd name="connsiteX11" fmla="*/ 85758 w 171515"/>
-              <a:gd name="connsiteY11" fmla="*/ 171515 h 171515"/>
-              <a:gd name="connsiteX12" fmla="*/ 97399 w 171515"/>
-              <a:gd name="connsiteY12" fmla="*/ 159874 h 171515"/>
-              <a:gd name="connsiteX13" fmla="*/ 97399 w 171515"/>
-              <a:gd name="connsiteY13" fmla="*/ 97399 h 171515"/>
-              <a:gd name="connsiteX14" fmla="*/ 159874 w 171515"/>
-              <a:gd name="connsiteY14" fmla="*/ 97399 h 171515"/>
-              <a:gd name="connsiteX15" fmla="*/ 171515 w 171515"/>
-              <a:gd name="connsiteY15" fmla="*/ 85758 h 171515"/>
-              <a:gd name="connsiteX16" fmla="*/ 159874 w 171515"/>
-              <a:gd name="connsiteY16" fmla="*/ 74116 h 171515"/>
-            </a:gdLst>
-            <a:ahLst/>
-            <a:cxnLst>
-              <a:cxn ang="0">
-                <a:pos x="connsiteX0" y="connsiteY0"/>
-              </a:cxn>
-              <a:cxn ang="0">
-                <a:pos x="connsiteX1" y="connsiteY1"/>
-              </a:cxn>
-              <a:cxn ang="0">
-                <a:pos x="connsiteX2" y="connsiteY2"/>
-              </a:cxn>
-              <a:cxn ang="0">
-                <a:pos x="connsiteX3" y="connsiteY3"/>
-              </a:cxn>
-              <a:cxn ang="0">
-                <a:pos x="connsiteX4" y="connsiteY4"/>
-              </a:cxn>
-              <a:cxn ang="0">
-                <a:pos x="connsiteX5" y="connsiteY5"/>
-              </a:cxn>
-              <a:cxn ang="0">
-                <a:pos x="connsiteX6" y="connsiteY6"/>
-              </a:cxn>
-              <a:cxn ang="0">
-                <a:pos x="connsiteX7" y="connsiteY7"/>
-              </a:cxn>
-              <a:cxn ang="0">
-                <a:pos x="connsiteX8" y="connsiteY8"/>
-              </a:cxn>
-              <a:cxn ang="0">
-                <a:pos x="connsiteX9" y="connsiteY9"/>
-              </a:cxn>
-              <a:cxn ang="0">
-                <a:pos x="connsiteX10" y="connsiteY10"/>
-              </a:cxn>
-              <a:cxn ang="0">
-                <a:pos x="connsiteX11" y="connsiteY11"/>
-              </a:cxn>
-              <a:cxn ang="0">
-                <a:pos x="connsiteX12" y="connsiteY12"/>
-              </a:cxn>
-              <a:cxn ang="0">
-                <a:pos x="connsiteX13" y="connsiteY13"/>
-              </a:cxn>
-              <a:cxn ang="0">
-                <a:pos x="connsiteX14" y="connsiteY14"/>
-              </a:cxn>
-              <a:cxn ang="0">
-                <a:pos x="connsiteX15" y="connsiteY15"/>
-              </a:cxn>
-              <a:cxn ang="0">
-                <a:pos x="connsiteX16" y="connsiteY16"/>
-              </a:cxn>
-            </a:cxnLst>
-            <a:rect l="l" t="t" r="r" b="b"/>
-            <a:pathLst>
-              <a:path w="171515" h="171515">
-                <a:moveTo>
-                  <a:pt x="159874" y="74116"/>
-                </a:moveTo>
-                <a:lnTo>
-                  <a:pt x="97399" y="74116"/>
-                </a:lnTo>
-                <a:lnTo>
-                  <a:pt x="97399" y="11641"/>
-                </a:lnTo>
-                <a:cubicBezTo>
-                  <a:pt x="97399" y="5212"/>
-                  <a:pt x="92187" y="0"/>
-                  <a:pt x="85758" y="0"/>
-                </a:cubicBezTo>
-                <a:cubicBezTo>
-                  <a:pt x="79328" y="0"/>
-                  <a:pt x="74116" y="5212"/>
-                  <a:pt x="74116" y="11641"/>
-                </a:cubicBezTo>
-                <a:lnTo>
-                  <a:pt x="74116" y="74116"/>
-                </a:lnTo>
-                <a:lnTo>
-                  <a:pt x="11641" y="74116"/>
-                </a:lnTo>
-                <a:cubicBezTo>
-                  <a:pt x="5212" y="74116"/>
-                  <a:pt x="0" y="79328"/>
-                  <a:pt x="0" y="85758"/>
-                </a:cubicBezTo>
-                <a:cubicBezTo>
-                  <a:pt x="0" y="92187"/>
-                  <a:pt x="5212" y="97399"/>
-                  <a:pt x="11641" y="97399"/>
-                </a:cubicBezTo>
-                <a:lnTo>
-                  <a:pt x="74116" y="97399"/>
-                </a:lnTo>
-                <a:lnTo>
-                  <a:pt x="74116" y="159874"/>
-                </a:lnTo>
-                <a:cubicBezTo>
-                  <a:pt x="74116" y="166303"/>
-                  <a:pt x="79328" y="171515"/>
-                  <a:pt x="85758" y="171515"/>
-                </a:cubicBezTo>
-                <a:cubicBezTo>
-                  <a:pt x="92187" y="171515"/>
-                  <a:pt x="97399" y="166303"/>
-                  <a:pt x="97399" y="159874"/>
-                </a:cubicBezTo>
-                <a:lnTo>
-                  <a:pt x="97399" y="97399"/>
-                </a:lnTo>
-                <a:lnTo>
-                  <a:pt x="159874" y="97399"/>
-                </a:lnTo>
-                <a:cubicBezTo>
-                  <a:pt x="166303" y="97399"/>
-                  <a:pt x="171515" y="92187"/>
-                  <a:pt x="171515" y="85758"/>
-                </a:cubicBezTo>
-                <a:cubicBezTo>
-                  <a:pt x="171515" y="79328"/>
-                  <a:pt x="166303" y="74116"/>
-                  <a:pt x="159874" y="74116"/>
-                </a:cubicBezTo>
-                <a:close/>
-              </a:path>
-            </a:pathLst>
-          </a:custGeom>
-          <a:solidFill>
-            <a:schemeClr val="accent2"/>
-          </a:solidFill>
-          <a:ln w="776" cap="flat">
-            <a:noFill/>
-            <a:prstDash val="solid"/>
-            <a:miter/>
-          </a:ln>
-        </p:spPr>
-        <p:txBody>
-          <a:bodyPr rtlCol="0" anchor="ctr"/>
-          <a:lstStyle/>
-          <a:p>
-            <a:endParaRPr lang="en-US"/>
-          </a:p>
-        </p:txBody>
-      </p:sp>
-      <p:sp>
-        <p:nvSpPr>
-          <p:cNvPr id="15" name="Graphic 12">
-            <a:extLst>
-              <a:ext uri="{FF2B5EF4-FFF2-40B4-BE49-F238E27FC236}">
-                <a16:creationId xmlns:a16="http://schemas.microsoft.com/office/drawing/2014/main" id="{1453BF6C-B012-48B7-B4E8-6D7AC7C27D02}"/>
-              </a:ext>
-              <a:ext uri="{C183D7F6-B498-43B3-948B-1728B52AA6E4}">
-                <adec:decorative xmlns:adec="http://schemas.microsoft.com/office/drawing/2017/decorative" val="1"/>
-              </a:ext>
-            </a:extLst>
-          </p:cNvPr>
-          <p:cNvSpPr>
-            <a:spLocks noGrp="1" noRot="1" noChangeAspect="1" noMove="1" noResize="1" noEditPoints="1" noAdjustHandles="1" noChangeArrowheads="1" noChangeShapeType="1" noTextEdit="1"/>
-          </p:cNvSpPr>
-          <p:nvPr>
-            <p:extLst>
-              <p:ext uri="{386F3935-93C4-4BCD-93E2-E3B085C9AB24}">
-                <p16:designElem xmlns:p16="http://schemas.microsoft.com/office/powerpoint/2015/main" val="1"/>
-              </p:ext>
-            </p:extLst>
-          </p:nvPr>
-        </p:nvSpPr>
-        <p:spPr>
-          <a:xfrm>
-            <a:off x="550109" y="1084507"/>
-            <a:ext cx="157545" cy="157545"/>
-          </a:xfrm>
-          <a:custGeom>
-            <a:avLst/>
-            <a:gdLst>
-              <a:gd name="connsiteX0" fmla="*/ 78773 w 157545"/>
-              <a:gd name="connsiteY0" fmla="*/ 23283 h 157545"/>
-              <a:gd name="connsiteX1" fmla="*/ 134262 w 157545"/>
-              <a:gd name="connsiteY1" fmla="*/ 78773 h 157545"/>
-              <a:gd name="connsiteX2" fmla="*/ 78773 w 157545"/>
-              <a:gd name="connsiteY2" fmla="*/ 134262 h 157545"/>
-              <a:gd name="connsiteX3" fmla="*/ 23283 w 157545"/>
-              <a:gd name="connsiteY3" fmla="*/ 78773 h 157545"/>
-              <a:gd name="connsiteX4" fmla="*/ 78773 w 157545"/>
-              <a:gd name="connsiteY4" fmla="*/ 23283 h 157545"/>
-              <a:gd name="connsiteX5" fmla="*/ 78773 w 157545"/>
-              <a:gd name="connsiteY5" fmla="*/ 0 h 157545"/>
-              <a:gd name="connsiteX6" fmla="*/ 0 w 157545"/>
-              <a:gd name="connsiteY6" fmla="*/ 78773 h 157545"/>
-              <a:gd name="connsiteX7" fmla="*/ 78773 w 157545"/>
-              <a:gd name="connsiteY7" fmla="*/ 157545 h 157545"/>
-              <a:gd name="connsiteX8" fmla="*/ 157545 w 157545"/>
-              <a:gd name="connsiteY8" fmla="*/ 78773 h 157545"/>
-              <a:gd name="connsiteX9" fmla="*/ 78773 w 157545"/>
-              <a:gd name="connsiteY9" fmla="*/ 0 h 157545"/>
-            </a:gdLst>
-            <a:ahLst/>
-            <a:cxnLst>
-              <a:cxn ang="0">
-                <a:pos x="connsiteX0" y="connsiteY0"/>
-              </a:cxn>
-              <a:cxn ang="0">
-                <a:pos x="connsiteX1" y="connsiteY1"/>
-              </a:cxn>
-              <a:cxn ang="0">
-                <a:pos x="connsiteX2" y="connsiteY2"/>
-              </a:cxn>
-              <a:cxn ang="0">
-                <a:pos x="connsiteX3" y="connsiteY3"/>
-              </a:cxn>
-              <a:cxn ang="0">
-                <a:pos x="connsiteX4" y="connsiteY4"/>
-              </a:cxn>
-              <a:cxn ang="0">
-                <a:pos x="connsiteX5" y="connsiteY5"/>
-              </a:cxn>
-              <a:cxn ang="0">
-                <a:pos x="connsiteX6" y="connsiteY6"/>
-              </a:cxn>
-              <a:cxn ang="0">
-                <a:pos x="connsiteX7" y="connsiteY7"/>
-              </a:cxn>
-              <a:cxn ang="0">
-                <a:pos x="connsiteX8" y="connsiteY8"/>
-              </a:cxn>
-              <a:cxn ang="0">
-                <a:pos x="connsiteX9" y="connsiteY9"/>
-              </a:cxn>
-            </a:cxnLst>
-            <a:rect l="l" t="t" r="r" b="b"/>
-            <a:pathLst>
-              <a:path w="157545" h="157545">
-                <a:moveTo>
-                  <a:pt x="78773" y="23283"/>
-                </a:moveTo>
-                <a:cubicBezTo>
-                  <a:pt x="109419" y="23283"/>
-                  <a:pt x="134262" y="48126"/>
-                  <a:pt x="134262" y="78773"/>
-                </a:cubicBezTo>
-                <a:cubicBezTo>
-                  <a:pt x="134262" y="109419"/>
-                  <a:pt x="109419" y="134262"/>
-                  <a:pt x="78773" y="134262"/>
-                </a:cubicBezTo>
-                <a:cubicBezTo>
-                  <a:pt x="48126" y="134262"/>
-                  <a:pt x="23283" y="109419"/>
-                  <a:pt x="23283" y="78773"/>
-                </a:cubicBezTo>
-                <a:cubicBezTo>
-                  <a:pt x="23312" y="48139"/>
-                  <a:pt x="48139" y="23312"/>
-                  <a:pt x="78773" y="23283"/>
-                </a:cubicBezTo>
-                <a:moveTo>
-                  <a:pt x="78773" y="0"/>
-                </a:moveTo>
-                <a:cubicBezTo>
-                  <a:pt x="35268" y="0"/>
-                  <a:pt x="0" y="35268"/>
-                  <a:pt x="0" y="78773"/>
-                </a:cubicBezTo>
-                <a:cubicBezTo>
-                  <a:pt x="0" y="122277"/>
-                  <a:pt x="35268" y="157545"/>
-                  <a:pt x="78773" y="157545"/>
-                </a:cubicBezTo>
-                <a:cubicBezTo>
-                  <a:pt x="122277" y="157545"/>
-                  <a:pt x="157545" y="122277"/>
-                  <a:pt x="157545" y="78773"/>
-                </a:cubicBezTo>
-                <a:cubicBezTo>
-                  <a:pt x="157545" y="35268"/>
-                  <a:pt x="122277" y="0"/>
-                  <a:pt x="78773" y="0"/>
-                </a:cubicBezTo>
-                <a:close/>
-              </a:path>
-            </a:pathLst>
-          </a:custGeom>
-          <a:solidFill>
-            <a:schemeClr val="accent2"/>
-          </a:solidFill>
-          <a:ln w="751" cap="flat">
-            <a:noFill/>
-            <a:prstDash val="solid"/>
-            <a:miter/>
-          </a:ln>
-        </p:spPr>
-        <p:txBody>
-          <a:bodyPr rtlCol="0" anchor="ctr"/>
-          <a:lstStyle/>
-          <a:p>
-            <a:endParaRPr lang="en-US"/>
-          </a:p>
-        </p:txBody>
-      </p:sp>
-      <p:sp>
-        <p:nvSpPr>
-          <p:cNvPr id="4" name="Subtitle 2">
-            <a:extLst>
-              <a:ext uri="{FF2B5EF4-FFF2-40B4-BE49-F238E27FC236}">
-                <a16:creationId xmlns:a16="http://schemas.microsoft.com/office/drawing/2014/main" id="{954EA757-C6CD-A40A-DC14-C9A0E81AA758}"/>
-              </a:ext>
-            </a:extLst>
-          </p:cNvPr>
-          <p:cNvSpPr>
-            <a:spLocks noGrp="1"/>
-          </p:cNvSpPr>
-          <p:nvPr>
-            <p:ph idx="1"/>
-          </p:nvPr>
-        </p:nvSpPr>
-        <p:spPr>
-          <a:xfrm>
-            <a:off x="6297233" y="518400"/>
-            <a:ext cx="5288929" cy="6131171"/>
-          </a:xfrm>
-        </p:spPr>
-        <p:txBody>
-          <a:bodyPr vert="horz" lIns="91440" tIns="45720" rIns="91440" bIns="45720" rtlCol="0" anchor="ctr">
-            <a:normAutofit/>
-          </a:bodyPr>
-          <a:lstStyle/>
-          <a:p>
-            <a:pPr marL="0" indent="0">
-              <a:spcAft>
-                <a:spcPts val="1200"/>
-              </a:spcAft>
-              <a:buNone/>
-            </a:pPr>
-            <a:r>
-              <a:rPr lang="en-US" sz="1100" b="0" i="0" dirty="0">
-                <a:solidFill>
-                  <a:schemeClr val="tx1">
-                    <a:alpha val="80000"/>
-                  </a:schemeClr>
-                </a:solidFill>
-                <a:effectLst/>
-              </a:rPr>
-              <a:t>Fitness and Health Tracker Analysis 🎯 Comprehensive Objective: This project focuses on analyzing personal health and fitness tracking data to uncover trends in physical activity, hydration, sleep, and calorie expenditure across different age groups and genders. Students will utilize SQL to extract key insights, Excel for aggregation and comparative analysis, and Power BI to create dynamic dashboards that visualize wellness patterns. They will explore the relationship between lifestyle habits and fitness metrics, identify which exercise types yield the highest calorie burn, and assess whether people meet recommended health standards. By integrating data from a questionnaire, students can also personalize insights and offer practical wellness suggestions based on empirical evidence. Tools:</a:t>
-            </a:r>
-          </a:p>
-          <a:p>
-            <a:pPr marL="0" indent="0">
-              <a:spcAft>
-                <a:spcPts val="1200"/>
-              </a:spcAft>
-              <a:buNone/>
-            </a:pPr>
-            <a:r>
-              <a:rPr lang="en-US" sz="1100" b="0" i="0" dirty="0">
-                <a:solidFill>
-                  <a:schemeClr val="tx1">
-                    <a:alpha val="80000"/>
-                  </a:schemeClr>
-                </a:solidFill>
-                <a:effectLst/>
-              </a:rPr>
-              <a:t>● Excel: Calculate weekly calorie burn averages</a:t>
-            </a:r>
-          </a:p>
-          <a:p>
-            <a:pPr marL="0" indent="0">
-              <a:spcAft>
-                <a:spcPts val="1200"/>
-              </a:spcAft>
-              <a:buNone/>
-            </a:pPr>
-            <a:r>
-              <a:rPr lang="en-US" sz="1100" b="0" i="0" dirty="0">
-                <a:solidFill>
-                  <a:schemeClr val="tx1">
-                    <a:alpha val="80000"/>
-                  </a:schemeClr>
-                </a:solidFill>
-                <a:effectLst/>
-              </a:rPr>
-              <a:t>● SQL: Filter records by age groups, exercise types</a:t>
-            </a:r>
-          </a:p>
-          <a:p>
-            <a:pPr marL="0" indent="0">
-              <a:spcAft>
-                <a:spcPts val="1200"/>
-              </a:spcAft>
-              <a:buNone/>
-            </a:pPr>
-            <a:r>
-              <a:rPr lang="en-US" sz="1100" b="0" i="0" dirty="0">
-                <a:solidFill>
-                  <a:schemeClr val="tx1">
-                    <a:alpha val="80000"/>
-                  </a:schemeClr>
-                </a:solidFill>
-                <a:effectLst/>
-              </a:rPr>
-              <a:t>● Power BI: Visualize steps, sleep, and hydration trends</a:t>
-            </a:r>
-          </a:p>
-          <a:p>
-            <a:pPr marL="0" indent="0">
-              <a:spcAft>
-                <a:spcPts val="1200"/>
-              </a:spcAft>
-              <a:buNone/>
-            </a:pPr>
-            <a:r>
-              <a:rPr lang="en-US" sz="1100" b="1" i="0" dirty="0">
-                <a:solidFill>
-                  <a:schemeClr val="tx1">
-                    <a:alpha val="80000"/>
-                  </a:schemeClr>
-                </a:solidFill>
-                <a:effectLst/>
-              </a:rPr>
-              <a:t>Tasks: </a:t>
-            </a:r>
-          </a:p>
-          <a:p>
-            <a:pPr marL="0" indent="0">
-              <a:spcAft>
-                <a:spcPts val="1200"/>
-              </a:spcAft>
-              <a:buNone/>
-            </a:pPr>
-            <a:r>
-              <a:rPr lang="en-US" sz="1100" b="0" i="0" dirty="0">
-                <a:solidFill>
-                  <a:schemeClr val="tx1">
-                    <a:alpha val="80000"/>
-                  </a:schemeClr>
-                </a:solidFill>
-                <a:effectLst/>
-              </a:rPr>
-              <a:t>● Discover trends in daily activity levels across age groups</a:t>
-            </a:r>
-          </a:p>
-          <a:p>
-            <a:pPr marL="0" indent="0">
-              <a:spcAft>
-                <a:spcPts val="1200"/>
-              </a:spcAft>
-              <a:buNone/>
-            </a:pPr>
-            <a:r>
-              <a:rPr lang="en-US" sz="1100" b="0" i="0" dirty="0">
-                <a:solidFill>
-                  <a:schemeClr val="tx1">
-                    <a:alpha val="80000"/>
-                  </a:schemeClr>
-                </a:solidFill>
-                <a:effectLst/>
-              </a:rPr>
-              <a:t>● Evaluate the relationship between sleep and calories burned</a:t>
-            </a:r>
-          </a:p>
-          <a:p>
-            <a:pPr marL="0" indent="0">
-              <a:spcAft>
-                <a:spcPts val="1200"/>
-              </a:spcAft>
-              <a:buNone/>
-            </a:pPr>
-            <a:r>
-              <a:rPr lang="en-US" sz="1100" b="0" i="0" dirty="0">
-                <a:solidFill>
-                  <a:schemeClr val="tx1">
-                    <a:alpha val="80000"/>
-                  </a:schemeClr>
-                </a:solidFill>
-                <a:effectLst/>
-              </a:rPr>
-              <a:t>● Build a Power BI health dashboard with filters for gender &amp; exercise type</a:t>
-            </a:r>
-          </a:p>
-          <a:p>
-            <a:pPr marL="0" indent="0">
-              <a:spcAft>
-                <a:spcPts val="1200"/>
-              </a:spcAft>
-              <a:buNone/>
-            </a:pPr>
-            <a:r>
-              <a:rPr lang="en-US" sz="1100" b="1" i="0" dirty="0">
-                <a:solidFill>
-                  <a:schemeClr val="tx1">
-                    <a:alpha val="80000"/>
-                  </a:schemeClr>
-                </a:solidFill>
-                <a:effectLst/>
-              </a:rPr>
-              <a:t>Questionnaire Ideas:</a:t>
-            </a:r>
-          </a:p>
-          <a:p>
-            <a:pPr marL="0" indent="0">
-              <a:spcAft>
-                <a:spcPts val="1200"/>
-              </a:spcAft>
-              <a:buNone/>
-            </a:pPr>
-            <a:r>
-              <a:rPr lang="en-US" sz="1100" b="0" i="0" dirty="0">
-                <a:solidFill>
-                  <a:schemeClr val="tx1">
-                    <a:alpha val="80000"/>
-                  </a:schemeClr>
-                </a:solidFill>
-                <a:effectLst/>
-              </a:rPr>
-              <a:t> ● Do you regularly track your steps?</a:t>
-            </a:r>
-          </a:p>
-          <a:p>
-            <a:pPr marL="0" indent="0">
-              <a:buNone/>
-            </a:pPr>
-            <a:r>
-              <a:rPr lang="en-US" sz="1100" b="0" i="0" dirty="0">
-                <a:solidFill>
-                  <a:schemeClr val="tx1">
-                    <a:alpha val="80000"/>
-                  </a:schemeClr>
-                </a:solidFill>
-                <a:effectLst/>
-              </a:rPr>
-              <a:t>● What’s your most common workout activity?</a:t>
-            </a:r>
-          </a:p>
-          <a:p>
-            <a:pPr indent="-228600">
-              <a:buFont typeface="Arial" panose="020B0604020202020204" pitchFamily="34" charset="0"/>
-              <a:buChar char="•"/>
-            </a:pPr>
-            <a:endParaRPr lang="en-US" sz="1100" dirty="0">
-              <a:solidFill>
-                <a:schemeClr val="tx1">
-                  <a:alpha val="80000"/>
-                </a:schemeClr>
-              </a:solidFill>
-            </a:endParaRPr>
-          </a:p>
-        </p:txBody>
-      </p:sp>
-      <p:sp>
-        <p:nvSpPr>
-          <p:cNvPr id="17" name="Graphic 10">
-            <a:extLst>
-              <a:ext uri="{FF2B5EF4-FFF2-40B4-BE49-F238E27FC236}">
-                <a16:creationId xmlns:a16="http://schemas.microsoft.com/office/drawing/2014/main" id="{E3020543-B24B-4EC4-8FFC-8DD88EEA91A8}"/>
-              </a:ext>
-              <a:ext uri="{C183D7F6-B498-43B3-948B-1728B52AA6E4}">
-                <adec:decorative xmlns:adec="http://schemas.microsoft.com/office/drawing/2017/decorative" val="1"/>
-              </a:ext>
-            </a:extLst>
-          </p:cNvPr>
-          <p:cNvSpPr>
-            <a:spLocks noGrp="1" noRot="1" noChangeAspect="1" noMove="1" noResize="1" noEditPoints="1" noAdjustHandles="1" noChangeArrowheads="1" noChangeShapeType="1" noTextEdit="1"/>
-          </p:cNvSpPr>
-          <p:nvPr>
-            <p:extLst>
-              <p:ext uri="{386F3935-93C4-4BCD-93E2-E3B085C9AB24}">
-                <p16:designElem xmlns:p16="http://schemas.microsoft.com/office/powerpoint/2015/main" val="1"/>
-              </p:ext>
-            </p:extLst>
-          </p:nvPr>
-        </p:nvSpPr>
-        <p:spPr>
-          <a:xfrm>
-            <a:off x="5436547" y="5751820"/>
-            <a:ext cx="112426" cy="112426"/>
-          </a:xfrm>
-          <a:custGeom>
-            <a:avLst/>
-            <a:gdLst>
-              <a:gd name="connsiteX0" fmla="*/ 112426 w 112426"/>
-              <a:gd name="connsiteY0" fmla="*/ 56213 h 112426"/>
-              <a:gd name="connsiteX1" fmla="*/ 56213 w 112426"/>
-              <a:gd name="connsiteY1" fmla="*/ 112426 h 112426"/>
-              <a:gd name="connsiteX2" fmla="*/ 0 w 112426"/>
-              <a:gd name="connsiteY2" fmla="*/ 56213 h 112426"/>
-              <a:gd name="connsiteX3" fmla="*/ 56213 w 112426"/>
-              <a:gd name="connsiteY3" fmla="*/ 0 h 112426"/>
-              <a:gd name="connsiteX4" fmla="*/ 112426 w 112426"/>
-              <a:gd name="connsiteY4" fmla="*/ 56213 h 112426"/>
-            </a:gdLst>
-            <a:ahLst/>
-            <a:cxnLst>
-              <a:cxn ang="0">
-                <a:pos x="connsiteX0" y="connsiteY0"/>
-              </a:cxn>
-              <a:cxn ang="0">
-                <a:pos x="connsiteX1" y="connsiteY1"/>
-              </a:cxn>
-              <a:cxn ang="0">
-                <a:pos x="connsiteX2" y="connsiteY2"/>
-              </a:cxn>
-              <a:cxn ang="0">
-                <a:pos x="connsiteX3" y="connsiteY3"/>
-              </a:cxn>
-              <a:cxn ang="0">
-                <a:pos x="connsiteX4" y="connsiteY4"/>
-              </a:cxn>
-            </a:cxnLst>
-            <a:rect l="l" t="t" r="r" b="b"/>
-            <a:pathLst>
-              <a:path w="112426" h="112426">
-                <a:moveTo>
-                  <a:pt x="112426" y="56213"/>
-                </a:moveTo>
-                <a:cubicBezTo>
-                  <a:pt x="112426" y="87259"/>
-                  <a:pt x="87259" y="112426"/>
-                  <a:pt x="56213" y="112426"/>
-                </a:cubicBezTo>
-                <a:cubicBezTo>
-                  <a:pt x="25167" y="112426"/>
-                  <a:pt x="0" y="87259"/>
-                  <a:pt x="0" y="56213"/>
-                </a:cubicBezTo>
-                <a:cubicBezTo>
-                  <a:pt x="0" y="25167"/>
-                  <a:pt x="25167" y="0"/>
-                  <a:pt x="56213" y="0"/>
-                </a:cubicBezTo>
-                <a:cubicBezTo>
-                  <a:pt x="87259" y="0"/>
-                  <a:pt x="112426" y="25167"/>
-                  <a:pt x="112426" y="56213"/>
-                </a:cubicBezTo>
-                <a:close/>
-              </a:path>
-            </a:pathLst>
-          </a:custGeom>
-          <a:solidFill>
-            <a:schemeClr val="accent2"/>
-          </a:solidFill>
-          <a:ln w="516" cap="flat">
-            <a:noFill/>
-            <a:prstDash val="solid"/>
-            <a:miter/>
-          </a:ln>
-        </p:spPr>
-        <p:txBody>
-          <a:bodyPr rtlCol="0" anchor="ctr"/>
-          <a:lstStyle/>
-          <a:p>
-            <a:endParaRPr lang="en-US"/>
-          </a:p>
-        </p:txBody>
-      </p:sp>
-      <p:cxnSp>
-        <p:nvCxnSpPr>
-          <p:cNvPr id="19" name="Straight Connector 18">
-            <a:extLst>
-              <a:ext uri="{FF2B5EF4-FFF2-40B4-BE49-F238E27FC236}">
-                <a16:creationId xmlns:a16="http://schemas.microsoft.com/office/drawing/2014/main" id="{C49DA8F6-BCC1-4447-B54C-57856834B94B}"/>
-              </a:ext>
-              <a:ext uri="{C183D7F6-B498-43B3-948B-1728B52AA6E4}">
-                <adec:decorative xmlns:adec="http://schemas.microsoft.com/office/drawing/2017/decorative" val="1"/>
-              </a:ext>
-            </a:extLst>
-          </p:cNvPr>
-          <p:cNvCxnSpPr>
-            <a:cxnSpLocks noGrp="1" noRot="1" noChangeAspect="1" noMove="1" noResize="1" noEditPoints="1" noAdjustHandles="1" noChangeArrowheads="1" noChangeShapeType="1"/>
-          </p:cNvCxnSpPr>
-          <p:nvPr>
-            <p:extLst>
-              <p:ext uri="{386F3935-93C4-4BCD-93E2-E3B085C9AB24}">
-                <p16:designElem xmlns:p16="http://schemas.microsoft.com/office/powerpoint/2015/main" val="1"/>
-              </p:ext>
-            </p:extLst>
-          </p:nvPr>
-        </p:nvCxnSpPr>
-        <p:spPr>
-          <a:xfrm>
-            <a:off x="11586162" y="3610394"/>
-            <a:ext cx="0" cy="3238728"/>
-          </a:xfrm>
-          <a:prstGeom prst="line">
-            <a:avLst/>
-          </a:prstGeom>
-          <a:ln w="25400" cap="sq">
-            <a:gradFill flip="none" rotWithShape="1">
-              <a:gsLst>
-                <a:gs pos="0">
-                  <a:schemeClr val="accent1"/>
-                </a:gs>
-                <a:gs pos="100000">
-                  <a:schemeClr val="accent2"/>
-                </a:gs>
-              </a:gsLst>
-              <a:lin ang="5400000" scaled="0"/>
-              <a:tileRect/>
-            </a:gradFill>
-            <a:bevel/>
-          </a:ln>
-        </p:spPr>
-        <p:style>
-          <a:lnRef idx="1">
-            <a:schemeClr val="accent1"/>
-          </a:lnRef>
-          <a:fillRef idx="0">
-            <a:schemeClr val="accent1"/>
-          </a:fillRef>
-          <a:effectRef idx="0">
-            <a:schemeClr val="accent1"/>
-          </a:effectRef>
-          <a:fontRef idx="minor">
-            <a:schemeClr val="tx1"/>
-          </a:fontRef>
-        </p:style>
-      </p:cxnSp>
-    </p:spTree>
-    <p:extLst>
-      <p:ext uri="{BB962C8B-B14F-4D97-AF65-F5344CB8AC3E}">
-        <p14:creationId xmlns:p14="http://schemas.microsoft.com/office/powerpoint/2010/main" val="3118820481"/>
-      </p:ext>
-    </p:extLst>
-  </p:cSld>
-  <p:clrMapOvr>
-    <a:masterClrMapping/>
-  </p:clrMapOvr>
-</p:sld>
-</file>
-
-<file path=ppt/slides/slide20.xml><?xml version="1.0" encoding="utf-8"?>
+<file path=ppt/slides/slide21.xml><?xml version="1.0" encoding="utf-8"?>
 <p:sld xmlns:a="http://schemas.openxmlformats.org/drawingml/2006/main" xmlns:r="http://schemas.openxmlformats.org/officeDocument/2006/relationships" xmlns:p="http://schemas.openxmlformats.org/presentationml/2006/main">
   <p:cSld>
     <p:bg>
@@ -32424,7 +32318,7 @@
 </p:sld>
 </file>
 
-<file path=ppt/slides/slide21.xml><?xml version="1.0" encoding="utf-8"?>
+<file path=ppt/slides/slide22.xml><?xml version="1.0" encoding="utf-8"?>
 <p:sld xmlns:a="http://schemas.openxmlformats.org/drawingml/2006/main" xmlns:r="http://schemas.openxmlformats.org/officeDocument/2006/relationships" xmlns:p="http://schemas.openxmlformats.org/presentationml/2006/main">
   <p:cSld>
     <p:bg>
@@ -33789,6 +33683,999 @@
       </p:grpSpPr>
       <p:sp useBgFill="1">
         <p:nvSpPr>
+          <p:cNvPr id="9" name="Rectangle 8">
+            <a:extLst>
+              <a:ext uri="{FF2B5EF4-FFF2-40B4-BE49-F238E27FC236}">
+                <a16:creationId xmlns:a16="http://schemas.microsoft.com/office/drawing/2014/main" id="{327D73B4-9F5C-4A64-A179-51B9500CB8B5}"/>
+              </a:ext>
+              <a:ext uri="{C183D7F6-B498-43B3-948B-1728B52AA6E4}">
+                <adec:decorative xmlns:adec="http://schemas.microsoft.com/office/drawing/2017/decorative" val="1"/>
+              </a:ext>
+            </a:extLst>
+          </p:cNvPr>
+          <p:cNvSpPr>
+            <a:spLocks noGrp="1" noRot="1" noChangeAspect="1" noMove="1" noResize="1" noEditPoints="1" noAdjustHandles="1" noChangeArrowheads="1" noChangeShapeType="1" noTextEdit="1"/>
+          </p:cNvSpPr>
+          <p:nvPr>
+            <p:extLst>
+              <p:ext uri="{386F3935-93C4-4BCD-93E2-E3B085C9AB24}">
+                <p16:designElem xmlns:p16="http://schemas.microsoft.com/office/powerpoint/2015/main" val="1"/>
+              </p:ext>
+            </p:extLst>
+          </p:nvPr>
+        </p:nvSpPr>
+        <p:spPr>
+          <a:xfrm>
+            <a:off x="0" y="0"/>
+            <a:ext cx="12192000" cy="6858000"/>
+          </a:xfrm>
+          <a:prstGeom prst="rect">
+            <a:avLst/>
+          </a:prstGeom>
+          <a:ln>
+            <a:noFill/>
+          </a:ln>
+        </p:spPr>
+        <p:style>
+          <a:lnRef idx="2">
+            <a:schemeClr val="accent1">
+              <a:shade val="50000"/>
+            </a:schemeClr>
+          </a:lnRef>
+          <a:fillRef idx="1">
+            <a:schemeClr val="accent1"/>
+          </a:fillRef>
+          <a:effectRef idx="0">
+            <a:schemeClr val="accent1"/>
+          </a:effectRef>
+          <a:fontRef idx="minor">
+            <a:schemeClr val="lt1"/>
+          </a:fontRef>
+        </p:style>
+        <p:txBody>
+          <a:bodyPr rtlCol="0" anchor="ctr"/>
+          <a:lstStyle/>
+          <a:p>
+            <a:pPr algn="ctr"/>
+            <a:endParaRPr lang="en-US"/>
+          </a:p>
+        </p:txBody>
+      </p:sp>
+      <p:sp>
+        <p:nvSpPr>
+          <p:cNvPr id="11" name="Oval 10">
+            <a:extLst>
+              <a:ext uri="{FF2B5EF4-FFF2-40B4-BE49-F238E27FC236}">
+                <a16:creationId xmlns:a16="http://schemas.microsoft.com/office/drawing/2014/main" id="{C1F06963-6374-4B48-844F-071A9BAAAE02}"/>
+              </a:ext>
+              <a:ext uri="{C183D7F6-B498-43B3-948B-1728B52AA6E4}">
+                <adec:decorative xmlns:adec="http://schemas.microsoft.com/office/drawing/2017/decorative" val="1"/>
+              </a:ext>
+            </a:extLst>
+          </p:cNvPr>
+          <p:cNvSpPr>
+            <a:spLocks noGrp="1" noRot="1" noChangeAspect="1" noMove="1" noResize="1" noEditPoints="1" noAdjustHandles="1" noChangeArrowheads="1" noChangeShapeType="1" noTextEdit="1"/>
+          </p:cNvSpPr>
+          <p:nvPr>
+            <p:extLst>
+              <p:ext uri="{386F3935-93C4-4BCD-93E2-E3B085C9AB24}">
+                <p16:designElem xmlns:p16="http://schemas.microsoft.com/office/powerpoint/2015/main" val="1"/>
+              </p:ext>
+            </p:extLst>
+          </p:nvPr>
+        </p:nvSpPr>
+        <p:spPr>
+          <a:xfrm>
+            <a:off x="199528" y="554152"/>
+            <a:ext cx="5742189" cy="5742189"/>
+          </a:xfrm>
+          <a:prstGeom prst="ellipse">
+            <a:avLst/>
+          </a:prstGeom>
+          <a:gradFill flip="none" rotWithShape="1">
+            <a:gsLst>
+              <a:gs pos="0">
+                <a:schemeClr val="accent1"/>
+              </a:gs>
+              <a:gs pos="100000">
+                <a:schemeClr val="accent2"/>
+              </a:gs>
+            </a:gsLst>
+            <a:lin ang="2700000" scaled="1"/>
+            <a:tileRect/>
+          </a:gradFill>
+          <a:ln>
+            <a:noFill/>
+          </a:ln>
+        </p:spPr>
+        <p:style>
+          <a:lnRef idx="2">
+            <a:schemeClr val="accent1">
+              <a:shade val="50000"/>
+            </a:schemeClr>
+          </a:lnRef>
+          <a:fillRef idx="1">
+            <a:schemeClr val="accent1"/>
+          </a:fillRef>
+          <a:effectRef idx="0">
+            <a:schemeClr val="accent1"/>
+          </a:effectRef>
+          <a:fontRef idx="minor">
+            <a:schemeClr val="lt1"/>
+          </a:fontRef>
+        </p:style>
+        <p:txBody>
+          <a:bodyPr rtlCol="0" anchor="ctr"/>
+          <a:lstStyle/>
+          <a:p>
+            <a:pPr algn="ctr"/>
+            <a:endParaRPr lang="en-US"/>
+          </a:p>
+        </p:txBody>
+      </p:sp>
+      <p:sp>
+        <p:nvSpPr>
+          <p:cNvPr id="2" name="Title 1">
+            <a:extLst>
+              <a:ext uri="{FF2B5EF4-FFF2-40B4-BE49-F238E27FC236}">
+                <a16:creationId xmlns:a16="http://schemas.microsoft.com/office/drawing/2014/main" id="{7FA3A703-C72C-E684-5CE4-2D4BE588178A}"/>
+              </a:ext>
+            </a:extLst>
+          </p:cNvPr>
+          <p:cNvSpPr>
+            <a:spLocks noGrp="1"/>
+          </p:cNvSpPr>
+          <p:nvPr>
+            <p:ph type="title"/>
+          </p:nvPr>
+        </p:nvSpPr>
+        <p:spPr>
+          <a:xfrm>
+            <a:off x="1245072" y="1289765"/>
+            <a:ext cx="3651101" cy="4270963"/>
+          </a:xfrm>
+        </p:spPr>
+        <p:txBody>
+          <a:bodyPr anchor="ctr">
+            <a:normAutofit/>
+          </a:bodyPr>
+          <a:lstStyle/>
+          <a:p>
+            <a:pPr algn="ctr"/>
+            <a:r>
+              <a:rPr lang="en-GB" sz="5600" b="1" dirty="0">
+                <a:solidFill>
+                  <a:srgbClr val="FFFFFF"/>
+                </a:solidFill>
+              </a:rPr>
+              <a:t>Project Scope</a:t>
+            </a:r>
+          </a:p>
+        </p:txBody>
+      </p:sp>
+      <p:sp>
+        <p:nvSpPr>
+          <p:cNvPr id="13" name="Graphic 11">
+            <a:extLst>
+              <a:ext uri="{FF2B5EF4-FFF2-40B4-BE49-F238E27FC236}">
+                <a16:creationId xmlns:a16="http://schemas.microsoft.com/office/drawing/2014/main" id="{6CB927A4-E432-4310-9CD5-E89FF5063179}"/>
+              </a:ext>
+              <a:ext uri="{C183D7F6-B498-43B3-948B-1728B52AA6E4}">
+                <adec:decorative xmlns:adec="http://schemas.microsoft.com/office/drawing/2017/decorative" val="1"/>
+              </a:ext>
+            </a:extLst>
+          </p:cNvPr>
+          <p:cNvSpPr>
+            <a:spLocks noGrp="1" noRot="1" noChangeAspect="1" noMove="1" noResize="1" noEditPoints="1" noAdjustHandles="1" noChangeArrowheads="1" noChangeShapeType="1" noTextEdit="1"/>
+          </p:cNvSpPr>
+          <p:nvPr>
+            <p:extLst>
+              <p:ext uri="{386F3935-93C4-4BCD-93E2-E3B085C9AB24}">
+                <p16:designElem xmlns:p16="http://schemas.microsoft.com/office/powerpoint/2015/main" val="1"/>
+              </p:ext>
+            </p:extLst>
+          </p:nvPr>
+        </p:nvSpPr>
+        <p:spPr>
+          <a:xfrm>
+            <a:off x="1123493" y="374394"/>
+            <a:ext cx="171515" cy="171515"/>
+          </a:xfrm>
+          <a:custGeom>
+            <a:avLst/>
+            <a:gdLst>
+              <a:gd name="connsiteX0" fmla="*/ 159874 w 171515"/>
+              <a:gd name="connsiteY0" fmla="*/ 74116 h 171515"/>
+              <a:gd name="connsiteX1" fmla="*/ 97399 w 171515"/>
+              <a:gd name="connsiteY1" fmla="*/ 74116 h 171515"/>
+              <a:gd name="connsiteX2" fmla="*/ 97399 w 171515"/>
+              <a:gd name="connsiteY2" fmla="*/ 11641 h 171515"/>
+              <a:gd name="connsiteX3" fmla="*/ 85758 w 171515"/>
+              <a:gd name="connsiteY3" fmla="*/ 0 h 171515"/>
+              <a:gd name="connsiteX4" fmla="*/ 74116 w 171515"/>
+              <a:gd name="connsiteY4" fmla="*/ 11641 h 171515"/>
+              <a:gd name="connsiteX5" fmla="*/ 74116 w 171515"/>
+              <a:gd name="connsiteY5" fmla="*/ 74116 h 171515"/>
+              <a:gd name="connsiteX6" fmla="*/ 11641 w 171515"/>
+              <a:gd name="connsiteY6" fmla="*/ 74116 h 171515"/>
+              <a:gd name="connsiteX7" fmla="*/ 0 w 171515"/>
+              <a:gd name="connsiteY7" fmla="*/ 85758 h 171515"/>
+              <a:gd name="connsiteX8" fmla="*/ 11641 w 171515"/>
+              <a:gd name="connsiteY8" fmla="*/ 97399 h 171515"/>
+              <a:gd name="connsiteX9" fmla="*/ 74116 w 171515"/>
+              <a:gd name="connsiteY9" fmla="*/ 97399 h 171515"/>
+              <a:gd name="connsiteX10" fmla="*/ 74116 w 171515"/>
+              <a:gd name="connsiteY10" fmla="*/ 159874 h 171515"/>
+              <a:gd name="connsiteX11" fmla="*/ 85758 w 171515"/>
+              <a:gd name="connsiteY11" fmla="*/ 171515 h 171515"/>
+              <a:gd name="connsiteX12" fmla="*/ 97399 w 171515"/>
+              <a:gd name="connsiteY12" fmla="*/ 159874 h 171515"/>
+              <a:gd name="connsiteX13" fmla="*/ 97399 w 171515"/>
+              <a:gd name="connsiteY13" fmla="*/ 97399 h 171515"/>
+              <a:gd name="connsiteX14" fmla="*/ 159874 w 171515"/>
+              <a:gd name="connsiteY14" fmla="*/ 97399 h 171515"/>
+              <a:gd name="connsiteX15" fmla="*/ 171515 w 171515"/>
+              <a:gd name="connsiteY15" fmla="*/ 85758 h 171515"/>
+              <a:gd name="connsiteX16" fmla="*/ 159874 w 171515"/>
+              <a:gd name="connsiteY16" fmla="*/ 74116 h 171515"/>
+            </a:gdLst>
+            <a:ahLst/>
+            <a:cxnLst>
+              <a:cxn ang="0">
+                <a:pos x="connsiteX0" y="connsiteY0"/>
+              </a:cxn>
+              <a:cxn ang="0">
+                <a:pos x="connsiteX1" y="connsiteY1"/>
+              </a:cxn>
+              <a:cxn ang="0">
+                <a:pos x="connsiteX2" y="connsiteY2"/>
+              </a:cxn>
+              <a:cxn ang="0">
+                <a:pos x="connsiteX3" y="connsiteY3"/>
+              </a:cxn>
+              <a:cxn ang="0">
+                <a:pos x="connsiteX4" y="connsiteY4"/>
+              </a:cxn>
+              <a:cxn ang="0">
+                <a:pos x="connsiteX5" y="connsiteY5"/>
+              </a:cxn>
+              <a:cxn ang="0">
+                <a:pos x="connsiteX6" y="connsiteY6"/>
+              </a:cxn>
+              <a:cxn ang="0">
+                <a:pos x="connsiteX7" y="connsiteY7"/>
+              </a:cxn>
+              <a:cxn ang="0">
+                <a:pos x="connsiteX8" y="connsiteY8"/>
+              </a:cxn>
+              <a:cxn ang="0">
+                <a:pos x="connsiteX9" y="connsiteY9"/>
+              </a:cxn>
+              <a:cxn ang="0">
+                <a:pos x="connsiteX10" y="connsiteY10"/>
+              </a:cxn>
+              <a:cxn ang="0">
+                <a:pos x="connsiteX11" y="connsiteY11"/>
+              </a:cxn>
+              <a:cxn ang="0">
+                <a:pos x="connsiteX12" y="connsiteY12"/>
+              </a:cxn>
+              <a:cxn ang="0">
+                <a:pos x="connsiteX13" y="connsiteY13"/>
+              </a:cxn>
+              <a:cxn ang="0">
+                <a:pos x="connsiteX14" y="connsiteY14"/>
+              </a:cxn>
+              <a:cxn ang="0">
+                <a:pos x="connsiteX15" y="connsiteY15"/>
+              </a:cxn>
+              <a:cxn ang="0">
+                <a:pos x="connsiteX16" y="connsiteY16"/>
+              </a:cxn>
+            </a:cxnLst>
+            <a:rect l="l" t="t" r="r" b="b"/>
+            <a:pathLst>
+              <a:path w="171515" h="171515">
+                <a:moveTo>
+                  <a:pt x="159874" y="74116"/>
+                </a:moveTo>
+                <a:lnTo>
+                  <a:pt x="97399" y="74116"/>
+                </a:lnTo>
+                <a:lnTo>
+                  <a:pt x="97399" y="11641"/>
+                </a:lnTo>
+                <a:cubicBezTo>
+                  <a:pt x="97399" y="5212"/>
+                  <a:pt x="92187" y="0"/>
+                  <a:pt x="85758" y="0"/>
+                </a:cubicBezTo>
+                <a:cubicBezTo>
+                  <a:pt x="79328" y="0"/>
+                  <a:pt x="74116" y="5212"/>
+                  <a:pt x="74116" y="11641"/>
+                </a:cubicBezTo>
+                <a:lnTo>
+                  <a:pt x="74116" y="74116"/>
+                </a:lnTo>
+                <a:lnTo>
+                  <a:pt x="11641" y="74116"/>
+                </a:lnTo>
+                <a:cubicBezTo>
+                  <a:pt x="5212" y="74116"/>
+                  <a:pt x="0" y="79328"/>
+                  <a:pt x="0" y="85758"/>
+                </a:cubicBezTo>
+                <a:cubicBezTo>
+                  <a:pt x="0" y="92187"/>
+                  <a:pt x="5212" y="97399"/>
+                  <a:pt x="11641" y="97399"/>
+                </a:cubicBezTo>
+                <a:lnTo>
+                  <a:pt x="74116" y="97399"/>
+                </a:lnTo>
+                <a:lnTo>
+                  <a:pt x="74116" y="159874"/>
+                </a:lnTo>
+                <a:cubicBezTo>
+                  <a:pt x="74116" y="166303"/>
+                  <a:pt x="79328" y="171515"/>
+                  <a:pt x="85758" y="171515"/>
+                </a:cubicBezTo>
+                <a:cubicBezTo>
+                  <a:pt x="92187" y="171515"/>
+                  <a:pt x="97399" y="166303"/>
+                  <a:pt x="97399" y="159874"/>
+                </a:cubicBezTo>
+                <a:lnTo>
+                  <a:pt x="97399" y="97399"/>
+                </a:lnTo>
+                <a:lnTo>
+                  <a:pt x="159874" y="97399"/>
+                </a:lnTo>
+                <a:cubicBezTo>
+                  <a:pt x="166303" y="97399"/>
+                  <a:pt x="171515" y="92187"/>
+                  <a:pt x="171515" y="85758"/>
+                </a:cubicBezTo>
+                <a:cubicBezTo>
+                  <a:pt x="171515" y="79328"/>
+                  <a:pt x="166303" y="74116"/>
+                  <a:pt x="159874" y="74116"/>
+                </a:cubicBezTo>
+                <a:close/>
+              </a:path>
+            </a:pathLst>
+          </a:custGeom>
+          <a:solidFill>
+            <a:schemeClr val="accent2"/>
+          </a:solidFill>
+          <a:ln w="776" cap="flat">
+            <a:noFill/>
+            <a:prstDash val="solid"/>
+            <a:miter/>
+          </a:ln>
+        </p:spPr>
+        <p:txBody>
+          <a:bodyPr rtlCol="0" anchor="ctr"/>
+          <a:lstStyle/>
+          <a:p>
+            <a:endParaRPr lang="en-US"/>
+          </a:p>
+        </p:txBody>
+      </p:sp>
+      <p:sp>
+        <p:nvSpPr>
+          <p:cNvPr id="15" name="Graphic 12">
+            <a:extLst>
+              <a:ext uri="{FF2B5EF4-FFF2-40B4-BE49-F238E27FC236}">
+                <a16:creationId xmlns:a16="http://schemas.microsoft.com/office/drawing/2014/main" id="{1453BF6C-B012-48B7-B4E8-6D7AC7C27D02}"/>
+              </a:ext>
+              <a:ext uri="{C183D7F6-B498-43B3-948B-1728B52AA6E4}">
+                <adec:decorative xmlns:adec="http://schemas.microsoft.com/office/drawing/2017/decorative" val="1"/>
+              </a:ext>
+            </a:extLst>
+          </p:cNvPr>
+          <p:cNvSpPr>
+            <a:spLocks noGrp="1" noRot="1" noChangeAspect="1" noMove="1" noResize="1" noEditPoints="1" noAdjustHandles="1" noChangeArrowheads="1" noChangeShapeType="1" noTextEdit="1"/>
+          </p:cNvSpPr>
+          <p:nvPr>
+            <p:extLst>
+              <p:ext uri="{386F3935-93C4-4BCD-93E2-E3B085C9AB24}">
+                <p16:designElem xmlns:p16="http://schemas.microsoft.com/office/powerpoint/2015/main" val="1"/>
+              </p:ext>
+            </p:extLst>
+          </p:nvPr>
+        </p:nvSpPr>
+        <p:spPr>
+          <a:xfrm>
+            <a:off x="550109" y="1084507"/>
+            <a:ext cx="157545" cy="157545"/>
+          </a:xfrm>
+          <a:custGeom>
+            <a:avLst/>
+            <a:gdLst>
+              <a:gd name="connsiteX0" fmla="*/ 78773 w 157545"/>
+              <a:gd name="connsiteY0" fmla="*/ 23283 h 157545"/>
+              <a:gd name="connsiteX1" fmla="*/ 134262 w 157545"/>
+              <a:gd name="connsiteY1" fmla="*/ 78773 h 157545"/>
+              <a:gd name="connsiteX2" fmla="*/ 78773 w 157545"/>
+              <a:gd name="connsiteY2" fmla="*/ 134262 h 157545"/>
+              <a:gd name="connsiteX3" fmla="*/ 23283 w 157545"/>
+              <a:gd name="connsiteY3" fmla="*/ 78773 h 157545"/>
+              <a:gd name="connsiteX4" fmla="*/ 78773 w 157545"/>
+              <a:gd name="connsiteY4" fmla="*/ 23283 h 157545"/>
+              <a:gd name="connsiteX5" fmla="*/ 78773 w 157545"/>
+              <a:gd name="connsiteY5" fmla="*/ 0 h 157545"/>
+              <a:gd name="connsiteX6" fmla="*/ 0 w 157545"/>
+              <a:gd name="connsiteY6" fmla="*/ 78773 h 157545"/>
+              <a:gd name="connsiteX7" fmla="*/ 78773 w 157545"/>
+              <a:gd name="connsiteY7" fmla="*/ 157545 h 157545"/>
+              <a:gd name="connsiteX8" fmla="*/ 157545 w 157545"/>
+              <a:gd name="connsiteY8" fmla="*/ 78773 h 157545"/>
+              <a:gd name="connsiteX9" fmla="*/ 78773 w 157545"/>
+              <a:gd name="connsiteY9" fmla="*/ 0 h 157545"/>
+            </a:gdLst>
+            <a:ahLst/>
+            <a:cxnLst>
+              <a:cxn ang="0">
+                <a:pos x="connsiteX0" y="connsiteY0"/>
+              </a:cxn>
+              <a:cxn ang="0">
+                <a:pos x="connsiteX1" y="connsiteY1"/>
+              </a:cxn>
+              <a:cxn ang="0">
+                <a:pos x="connsiteX2" y="connsiteY2"/>
+              </a:cxn>
+              <a:cxn ang="0">
+                <a:pos x="connsiteX3" y="connsiteY3"/>
+              </a:cxn>
+              <a:cxn ang="0">
+                <a:pos x="connsiteX4" y="connsiteY4"/>
+              </a:cxn>
+              <a:cxn ang="0">
+                <a:pos x="connsiteX5" y="connsiteY5"/>
+              </a:cxn>
+              <a:cxn ang="0">
+                <a:pos x="connsiteX6" y="connsiteY6"/>
+              </a:cxn>
+              <a:cxn ang="0">
+                <a:pos x="connsiteX7" y="connsiteY7"/>
+              </a:cxn>
+              <a:cxn ang="0">
+                <a:pos x="connsiteX8" y="connsiteY8"/>
+              </a:cxn>
+              <a:cxn ang="0">
+                <a:pos x="connsiteX9" y="connsiteY9"/>
+              </a:cxn>
+            </a:cxnLst>
+            <a:rect l="l" t="t" r="r" b="b"/>
+            <a:pathLst>
+              <a:path w="157545" h="157545">
+                <a:moveTo>
+                  <a:pt x="78773" y="23283"/>
+                </a:moveTo>
+                <a:cubicBezTo>
+                  <a:pt x="109419" y="23283"/>
+                  <a:pt x="134262" y="48126"/>
+                  <a:pt x="134262" y="78773"/>
+                </a:cubicBezTo>
+                <a:cubicBezTo>
+                  <a:pt x="134262" y="109419"/>
+                  <a:pt x="109419" y="134262"/>
+                  <a:pt x="78773" y="134262"/>
+                </a:cubicBezTo>
+                <a:cubicBezTo>
+                  <a:pt x="48126" y="134262"/>
+                  <a:pt x="23283" y="109419"/>
+                  <a:pt x="23283" y="78773"/>
+                </a:cubicBezTo>
+                <a:cubicBezTo>
+                  <a:pt x="23312" y="48139"/>
+                  <a:pt x="48139" y="23312"/>
+                  <a:pt x="78773" y="23283"/>
+                </a:cubicBezTo>
+                <a:moveTo>
+                  <a:pt x="78773" y="0"/>
+                </a:moveTo>
+                <a:cubicBezTo>
+                  <a:pt x="35268" y="0"/>
+                  <a:pt x="0" y="35268"/>
+                  <a:pt x="0" y="78773"/>
+                </a:cubicBezTo>
+                <a:cubicBezTo>
+                  <a:pt x="0" y="122277"/>
+                  <a:pt x="35268" y="157545"/>
+                  <a:pt x="78773" y="157545"/>
+                </a:cubicBezTo>
+                <a:cubicBezTo>
+                  <a:pt x="122277" y="157545"/>
+                  <a:pt x="157545" y="122277"/>
+                  <a:pt x="157545" y="78773"/>
+                </a:cubicBezTo>
+                <a:cubicBezTo>
+                  <a:pt x="157545" y="35268"/>
+                  <a:pt x="122277" y="0"/>
+                  <a:pt x="78773" y="0"/>
+                </a:cubicBezTo>
+                <a:close/>
+              </a:path>
+            </a:pathLst>
+          </a:custGeom>
+          <a:solidFill>
+            <a:schemeClr val="accent2"/>
+          </a:solidFill>
+          <a:ln w="751" cap="flat">
+            <a:noFill/>
+            <a:prstDash val="solid"/>
+            <a:miter/>
+          </a:ln>
+        </p:spPr>
+        <p:txBody>
+          <a:bodyPr rtlCol="0" anchor="ctr"/>
+          <a:lstStyle/>
+          <a:p>
+            <a:endParaRPr lang="en-US"/>
+          </a:p>
+        </p:txBody>
+      </p:sp>
+      <p:sp>
+        <p:nvSpPr>
+          <p:cNvPr id="4" name="Subtitle 2">
+            <a:extLst>
+              <a:ext uri="{FF2B5EF4-FFF2-40B4-BE49-F238E27FC236}">
+                <a16:creationId xmlns:a16="http://schemas.microsoft.com/office/drawing/2014/main" id="{954EA757-C6CD-A40A-DC14-C9A0E81AA758}"/>
+              </a:ext>
+            </a:extLst>
+          </p:cNvPr>
+          <p:cNvSpPr>
+            <a:spLocks noGrp="1"/>
+          </p:cNvSpPr>
+          <p:nvPr>
+            <p:ph idx="1"/>
+          </p:nvPr>
+        </p:nvSpPr>
+        <p:spPr>
+          <a:xfrm>
+            <a:off x="6297233" y="518400"/>
+            <a:ext cx="5288929" cy="6131171"/>
+          </a:xfrm>
+        </p:spPr>
+        <p:txBody>
+          <a:bodyPr vert="horz" lIns="91440" tIns="45720" rIns="91440" bIns="45720" rtlCol="0" anchor="ctr">
+            <a:normAutofit/>
+          </a:bodyPr>
+          <a:lstStyle/>
+          <a:p>
+            <a:pPr marL="0" indent="0">
+              <a:spcAft>
+                <a:spcPts val="1200"/>
+              </a:spcAft>
+              <a:buNone/>
+            </a:pPr>
+            <a:r>
+              <a:rPr lang="en-US" sz="1100" b="0" i="0" dirty="0">
+                <a:solidFill>
+                  <a:schemeClr val="tx1">
+                    <a:alpha val="80000"/>
+                  </a:schemeClr>
+                </a:solidFill>
+                <a:effectLst/>
+              </a:rPr>
+              <a:t>Fitness and Health Tracker Analysis 🎯 Comprehensive Objective: This project focuses on analyzing personal health and fitness tracking data to uncover trends in physical activity, hydration, sleep, and calorie expenditure across different age groups and genders. Students will utilize SQL to extract key insights, Excel for aggregation and comparative analysis, and Power BI to create dynamic dashboards that visualize wellness patterns. They will explore the relationship between lifestyle habits and fitness metrics, identify which exercise types yield the highest calorie burn, and assess whether people meet recommended health standards. By integrating data from a questionnaire, students can also personalize insights and offer practical wellness suggestions based on empirical evidence. Tools:</a:t>
+            </a:r>
+          </a:p>
+          <a:p>
+            <a:pPr marL="0" indent="0">
+              <a:spcAft>
+                <a:spcPts val="1200"/>
+              </a:spcAft>
+              <a:buNone/>
+            </a:pPr>
+            <a:r>
+              <a:rPr lang="en-US" sz="1100" b="0" i="0" dirty="0">
+                <a:solidFill>
+                  <a:schemeClr val="tx1">
+                    <a:alpha val="80000"/>
+                  </a:schemeClr>
+                </a:solidFill>
+                <a:effectLst/>
+              </a:rPr>
+              <a:t>● Excel: Calculate weekly calorie burn averages</a:t>
+            </a:r>
+          </a:p>
+          <a:p>
+            <a:pPr marL="0" indent="0">
+              <a:spcAft>
+                <a:spcPts val="1200"/>
+              </a:spcAft>
+              <a:buNone/>
+            </a:pPr>
+            <a:r>
+              <a:rPr lang="en-US" sz="1100" b="0" i="0" dirty="0">
+                <a:solidFill>
+                  <a:schemeClr val="tx1">
+                    <a:alpha val="80000"/>
+                  </a:schemeClr>
+                </a:solidFill>
+                <a:effectLst/>
+              </a:rPr>
+              <a:t>● SQL: Filter records by age groups, exercise types</a:t>
+            </a:r>
+          </a:p>
+          <a:p>
+            <a:pPr marL="0" indent="0">
+              <a:spcAft>
+                <a:spcPts val="1200"/>
+              </a:spcAft>
+              <a:buNone/>
+            </a:pPr>
+            <a:r>
+              <a:rPr lang="en-US" sz="1100" b="0" i="0" dirty="0">
+                <a:solidFill>
+                  <a:schemeClr val="tx1">
+                    <a:alpha val="80000"/>
+                  </a:schemeClr>
+                </a:solidFill>
+                <a:effectLst/>
+              </a:rPr>
+              <a:t>● Power BI: Visualize steps, sleep, and hydration trends</a:t>
+            </a:r>
+          </a:p>
+          <a:p>
+            <a:pPr marL="0" indent="0">
+              <a:spcAft>
+                <a:spcPts val="1200"/>
+              </a:spcAft>
+              <a:buNone/>
+            </a:pPr>
+            <a:r>
+              <a:rPr lang="en-US" sz="1100" b="1" i="0" dirty="0">
+                <a:solidFill>
+                  <a:schemeClr val="tx1">
+                    <a:alpha val="80000"/>
+                  </a:schemeClr>
+                </a:solidFill>
+                <a:effectLst/>
+              </a:rPr>
+              <a:t>Tasks: </a:t>
+            </a:r>
+          </a:p>
+          <a:p>
+            <a:pPr marL="0" indent="0">
+              <a:spcAft>
+                <a:spcPts val="1200"/>
+              </a:spcAft>
+              <a:buNone/>
+            </a:pPr>
+            <a:r>
+              <a:rPr lang="en-US" sz="1100" b="0" i="0" dirty="0">
+                <a:solidFill>
+                  <a:schemeClr val="tx1">
+                    <a:alpha val="80000"/>
+                  </a:schemeClr>
+                </a:solidFill>
+                <a:effectLst/>
+              </a:rPr>
+              <a:t>● Discover trends in daily activity levels across age groups</a:t>
+            </a:r>
+          </a:p>
+          <a:p>
+            <a:pPr marL="0" indent="0">
+              <a:spcAft>
+                <a:spcPts val="1200"/>
+              </a:spcAft>
+              <a:buNone/>
+            </a:pPr>
+            <a:r>
+              <a:rPr lang="en-US" sz="1100" b="0" i="0" dirty="0">
+                <a:solidFill>
+                  <a:schemeClr val="tx1">
+                    <a:alpha val="80000"/>
+                  </a:schemeClr>
+                </a:solidFill>
+                <a:effectLst/>
+              </a:rPr>
+              <a:t>● Evaluate the relationship between sleep and calories burned</a:t>
+            </a:r>
+          </a:p>
+          <a:p>
+            <a:pPr marL="0" indent="0">
+              <a:spcAft>
+                <a:spcPts val="1200"/>
+              </a:spcAft>
+              <a:buNone/>
+            </a:pPr>
+            <a:r>
+              <a:rPr lang="en-US" sz="1100" b="0" i="0" dirty="0">
+                <a:solidFill>
+                  <a:schemeClr val="tx1">
+                    <a:alpha val="80000"/>
+                  </a:schemeClr>
+                </a:solidFill>
+                <a:effectLst/>
+              </a:rPr>
+              <a:t>● Build a Power BI health dashboard with filters for gender &amp; exercise type</a:t>
+            </a:r>
+          </a:p>
+          <a:p>
+            <a:pPr marL="0" indent="0">
+              <a:spcAft>
+                <a:spcPts val="1200"/>
+              </a:spcAft>
+              <a:buNone/>
+            </a:pPr>
+            <a:r>
+              <a:rPr lang="en-US" sz="1100" b="1" i="0" dirty="0">
+                <a:solidFill>
+                  <a:schemeClr val="tx1">
+                    <a:alpha val="80000"/>
+                  </a:schemeClr>
+                </a:solidFill>
+                <a:effectLst/>
+              </a:rPr>
+              <a:t>Questionnaire Ideas:</a:t>
+            </a:r>
+          </a:p>
+          <a:p>
+            <a:pPr marL="0" indent="0">
+              <a:spcAft>
+                <a:spcPts val="1200"/>
+              </a:spcAft>
+              <a:buNone/>
+            </a:pPr>
+            <a:r>
+              <a:rPr lang="en-US" sz="1100" b="0" i="0" dirty="0">
+                <a:solidFill>
+                  <a:schemeClr val="tx1">
+                    <a:alpha val="80000"/>
+                  </a:schemeClr>
+                </a:solidFill>
+                <a:effectLst/>
+              </a:rPr>
+              <a:t> ● Do you regularly track your steps?</a:t>
+            </a:r>
+          </a:p>
+          <a:p>
+            <a:pPr marL="0" indent="0">
+              <a:buNone/>
+            </a:pPr>
+            <a:r>
+              <a:rPr lang="en-US" sz="1100" b="0" i="0" dirty="0">
+                <a:solidFill>
+                  <a:schemeClr val="tx1">
+                    <a:alpha val="80000"/>
+                  </a:schemeClr>
+                </a:solidFill>
+                <a:effectLst/>
+              </a:rPr>
+              <a:t>● What’s your most common workout activity?</a:t>
+            </a:r>
+          </a:p>
+          <a:p>
+            <a:pPr indent="-228600">
+              <a:buFont typeface="Arial" panose="020B0604020202020204" pitchFamily="34" charset="0"/>
+              <a:buChar char="•"/>
+            </a:pPr>
+            <a:endParaRPr lang="en-US" sz="1100" dirty="0">
+              <a:solidFill>
+                <a:schemeClr val="tx1">
+                  <a:alpha val="80000"/>
+                </a:schemeClr>
+              </a:solidFill>
+            </a:endParaRPr>
+          </a:p>
+        </p:txBody>
+      </p:sp>
+      <p:sp>
+        <p:nvSpPr>
+          <p:cNvPr id="17" name="Graphic 10">
+            <a:extLst>
+              <a:ext uri="{FF2B5EF4-FFF2-40B4-BE49-F238E27FC236}">
+                <a16:creationId xmlns:a16="http://schemas.microsoft.com/office/drawing/2014/main" id="{E3020543-B24B-4EC4-8FFC-8DD88EEA91A8}"/>
+              </a:ext>
+              <a:ext uri="{C183D7F6-B498-43B3-948B-1728B52AA6E4}">
+                <adec:decorative xmlns:adec="http://schemas.microsoft.com/office/drawing/2017/decorative" val="1"/>
+              </a:ext>
+            </a:extLst>
+          </p:cNvPr>
+          <p:cNvSpPr>
+            <a:spLocks noGrp="1" noRot="1" noChangeAspect="1" noMove="1" noResize="1" noEditPoints="1" noAdjustHandles="1" noChangeArrowheads="1" noChangeShapeType="1" noTextEdit="1"/>
+          </p:cNvSpPr>
+          <p:nvPr>
+            <p:extLst>
+              <p:ext uri="{386F3935-93C4-4BCD-93E2-E3B085C9AB24}">
+                <p16:designElem xmlns:p16="http://schemas.microsoft.com/office/powerpoint/2015/main" val="1"/>
+              </p:ext>
+            </p:extLst>
+          </p:nvPr>
+        </p:nvSpPr>
+        <p:spPr>
+          <a:xfrm>
+            <a:off x="5436547" y="5751820"/>
+            <a:ext cx="112426" cy="112426"/>
+          </a:xfrm>
+          <a:custGeom>
+            <a:avLst/>
+            <a:gdLst>
+              <a:gd name="connsiteX0" fmla="*/ 112426 w 112426"/>
+              <a:gd name="connsiteY0" fmla="*/ 56213 h 112426"/>
+              <a:gd name="connsiteX1" fmla="*/ 56213 w 112426"/>
+              <a:gd name="connsiteY1" fmla="*/ 112426 h 112426"/>
+              <a:gd name="connsiteX2" fmla="*/ 0 w 112426"/>
+              <a:gd name="connsiteY2" fmla="*/ 56213 h 112426"/>
+              <a:gd name="connsiteX3" fmla="*/ 56213 w 112426"/>
+              <a:gd name="connsiteY3" fmla="*/ 0 h 112426"/>
+              <a:gd name="connsiteX4" fmla="*/ 112426 w 112426"/>
+              <a:gd name="connsiteY4" fmla="*/ 56213 h 112426"/>
+            </a:gdLst>
+            <a:ahLst/>
+            <a:cxnLst>
+              <a:cxn ang="0">
+                <a:pos x="connsiteX0" y="connsiteY0"/>
+              </a:cxn>
+              <a:cxn ang="0">
+                <a:pos x="connsiteX1" y="connsiteY1"/>
+              </a:cxn>
+              <a:cxn ang="0">
+                <a:pos x="connsiteX2" y="connsiteY2"/>
+              </a:cxn>
+              <a:cxn ang="0">
+                <a:pos x="connsiteX3" y="connsiteY3"/>
+              </a:cxn>
+              <a:cxn ang="0">
+                <a:pos x="connsiteX4" y="connsiteY4"/>
+              </a:cxn>
+            </a:cxnLst>
+            <a:rect l="l" t="t" r="r" b="b"/>
+            <a:pathLst>
+              <a:path w="112426" h="112426">
+                <a:moveTo>
+                  <a:pt x="112426" y="56213"/>
+                </a:moveTo>
+                <a:cubicBezTo>
+                  <a:pt x="112426" y="87259"/>
+                  <a:pt x="87259" y="112426"/>
+                  <a:pt x="56213" y="112426"/>
+                </a:cubicBezTo>
+                <a:cubicBezTo>
+                  <a:pt x="25167" y="112426"/>
+                  <a:pt x="0" y="87259"/>
+                  <a:pt x="0" y="56213"/>
+                </a:cubicBezTo>
+                <a:cubicBezTo>
+                  <a:pt x="0" y="25167"/>
+                  <a:pt x="25167" y="0"/>
+                  <a:pt x="56213" y="0"/>
+                </a:cubicBezTo>
+                <a:cubicBezTo>
+                  <a:pt x="87259" y="0"/>
+                  <a:pt x="112426" y="25167"/>
+                  <a:pt x="112426" y="56213"/>
+                </a:cubicBezTo>
+                <a:close/>
+              </a:path>
+            </a:pathLst>
+          </a:custGeom>
+          <a:solidFill>
+            <a:schemeClr val="accent2"/>
+          </a:solidFill>
+          <a:ln w="516" cap="flat">
+            <a:noFill/>
+            <a:prstDash val="solid"/>
+            <a:miter/>
+          </a:ln>
+        </p:spPr>
+        <p:txBody>
+          <a:bodyPr rtlCol="0" anchor="ctr"/>
+          <a:lstStyle/>
+          <a:p>
+            <a:endParaRPr lang="en-US"/>
+          </a:p>
+        </p:txBody>
+      </p:sp>
+      <p:cxnSp>
+        <p:nvCxnSpPr>
+          <p:cNvPr id="19" name="Straight Connector 18">
+            <a:extLst>
+              <a:ext uri="{FF2B5EF4-FFF2-40B4-BE49-F238E27FC236}">
+                <a16:creationId xmlns:a16="http://schemas.microsoft.com/office/drawing/2014/main" id="{C49DA8F6-BCC1-4447-B54C-57856834B94B}"/>
+              </a:ext>
+              <a:ext uri="{C183D7F6-B498-43B3-948B-1728B52AA6E4}">
+                <adec:decorative xmlns:adec="http://schemas.microsoft.com/office/drawing/2017/decorative" val="1"/>
+              </a:ext>
+            </a:extLst>
+          </p:cNvPr>
+          <p:cNvCxnSpPr>
+            <a:cxnSpLocks noGrp="1" noRot="1" noChangeAspect="1" noMove="1" noResize="1" noEditPoints="1" noAdjustHandles="1" noChangeArrowheads="1" noChangeShapeType="1"/>
+          </p:cNvCxnSpPr>
+          <p:nvPr>
+            <p:extLst>
+              <p:ext uri="{386F3935-93C4-4BCD-93E2-E3B085C9AB24}">
+                <p16:designElem xmlns:p16="http://schemas.microsoft.com/office/powerpoint/2015/main" val="1"/>
+              </p:ext>
+            </p:extLst>
+          </p:nvPr>
+        </p:nvCxnSpPr>
+        <p:spPr>
+          <a:xfrm>
+            <a:off x="11586162" y="3610394"/>
+            <a:ext cx="0" cy="3238728"/>
+          </a:xfrm>
+          <a:prstGeom prst="line">
+            <a:avLst/>
+          </a:prstGeom>
+          <a:ln w="25400" cap="sq">
+            <a:gradFill flip="none" rotWithShape="1">
+              <a:gsLst>
+                <a:gs pos="0">
+                  <a:schemeClr val="accent1"/>
+                </a:gs>
+                <a:gs pos="100000">
+                  <a:schemeClr val="accent2"/>
+                </a:gs>
+              </a:gsLst>
+              <a:lin ang="5400000" scaled="0"/>
+              <a:tileRect/>
+            </a:gradFill>
+            <a:bevel/>
+          </a:ln>
+        </p:spPr>
+        <p:style>
+          <a:lnRef idx="1">
+            <a:schemeClr val="accent1"/>
+          </a:lnRef>
+          <a:fillRef idx="0">
+            <a:schemeClr val="accent1"/>
+          </a:fillRef>
+          <a:effectRef idx="0">
+            <a:schemeClr val="accent1"/>
+          </a:effectRef>
+          <a:fontRef idx="minor">
+            <a:schemeClr val="tx1"/>
+          </a:fontRef>
+        </p:style>
+      </p:cxnSp>
+    </p:spTree>
+    <p:extLst>
+      <p:ext uri="{BB962C8B-B14F-4D97-AF65-F5344CB8AC3E}">
+        <p14:creationId xmlns:p14="http://schemas.microsoft.com/office/powerpoint/2010/main" val="3118820481"/>
+      </p:ext>
+    </p:extLst>
+  </p:cSld>
+  <p:clrMapOvr>
+    <a:masterClrMapping/>
+  </p:clrMapOvr>
+</p:sld>
+</file>
+
+<file path=ppt/slides/slide4.xml><?xml version="1.0" encoding="utf-8"?>
+<p:sld xmlns:a="http://schemas.openxmlformats.org/drawingml/2006/main" xmlns:r="http://schemas.openxmlformats.org/officeDocument/2006/relationships" xmlns:p="http://schemas.openxmlformats.org/presentationml/2006/main">
+  <p:cSld>
+    <p:bg>
+      <p:bgPr>
+        <a:solidFill>
+          <a:schemeClr val="bg1"/>
+        </a:solidFill>
+        <a:effectLst/>
+      </p:bgPr>
+    </p:bg>
+    <p:spTree>
+      <p:nvGrpSpPr>
+        <p:cNvPr id="1" name=""/>
+        <p:cNvGrpSpPr/>
+        <p:nvPr/>
+      </p:nvGrpSpPr>
+      <p:grpSpPr>
+        <a:xfrm>
+          <a:off x="0" y="0"/>
+          <a:ext cx="0" cy="0"/>
+          <a:chOff x="0" y="0"/>
+          <a:chExt cx="0" cy="0"/>
+        </a:xfrm>
+      </p:grpSpPr>
+      <p:sp useBgFill="1">
+        <p:nvSpPr>
           <p:cNvPr id="22" name="Rectangle 21">
             <a:extLst>
               <a:ext uri="{FF2B5EF4-FFF2-40B4-BE49-F238E27FC236}">
@@ -34482,7 +35369,7 @@
 </p:sld>
 </file>
 
-<file path=ppt/slides/slide4.xml><?xml version="1.0" encoding="utf-8"?>
+<file path=ppt/slides/slide5.xml><?xml version="1.0" encoding="utf-8"?>
 <p:sld xmlns:a="http://schemas.openxmlformats.org/drawingml/2006/main" xmlns:r="http://schemas.openxmlformats.org/officeDocument/2006/relationships" xmlns:p="http://schemas.openxmlformats.org/presentationml/2006/main">
   <p:cSld>
     <p:bg>
@@ -37037,7 +37924,7 @@
 </p:sld>
 </file>
 
-<file path=ppt/slides/slide5.xml><?xml version="1.0" encoding="utf-8"?>
+<file path=ppt/slides/slide6.xml><?xml version="1.0" encoding="utf-8"?>
 <p:sld xmlns:a="http://schemas.openxmlformats.org/drawingml/2006/main" xmlns:r="http://schemas.openxmlformats.org/officeDocument/2006/relationships" xmlns:p="http://schemas.openxmlformats.org/presentationml/2006/main">
   <p:cSld>
     <p:bg>
@@ -37319,7 +38206,7 @@
 </p:sld>
 </file>
 
-<file path=ppt/slides/slide6.xml><?xml version="1.0" encoding="utf-8"?>
+<file path=ppt/slides/slide7.xml><?xml version="1.0" encoding="utf-8"?>
 <p:sld xmlns:a="http://schemas.openxmlformats.org/drawingml/2006/main" xmlns:r="http://schemas.openxmlformats.org/officeDocument/2006/relationships" xmlns:p="http://schemas.openxmlformats.org/presentationml/2006/main">
   <p:cSld>
     <p:bg>
@@ -37793,7 +38680,7 @@
 </p:sld>
 </file>
 
-<file path=ppt/slides/slide7.xml><?xml version="1.0" encoding="utf-8"?>
+<file path=ppt/slides/slide8.xml><?xml version="1.0" encoding="utf-8"?>
 <p:sld xmlns:a="http://schemas.openxmlformats.org/drawingml/2006/main" xmlns:r="http://schemas.openxmlformats.org/officeDocument/2006/relationships" xmlns:p="http://schemas.openxmlformats.org/presentationml/2006/main">
   <p:cSld>
     <p:bg>
@@ -38000,7 +38887,7 @@
 </p:sld>
 </file>
 
-<file path=ppt/slides/slide8.xml><?xml version="1.0" encoding="utf-8"?>
+<file path=ppt/slides/slide9.xml><?xml version="1.0" encoding="utf-8"?>
 <p:sld xmlns:a="http://schemas.openxmlformats.org/drawingml/2006/main" xmlns:r="http://schemas.openxmlformats.org/officeDocument/2006/relationships" xmlns:p="http://schemas.openxmlformats.org/presentationml/2006/main">
   <p:cSld>
     <p:bg>
@@ -38555,493 +39442,6 @@
 </p:sld>
 </file>
 
-<file path=ppt/slides/slide9.xml><?xml version="1.0" encoding="utf-8"?>
-<p:sld xmlns:a="http://schemas.openxmlformats.org/drawingml/2006/main" xmlns:r="http://schemas.openxmlformats.org/officeDocument/2006/relationships" xmlns:p="http://schemas.openxmlformats.org/presentationml/2006/main">
-  <p:cSld>
-    <p:bg>
-      <p:bgPr>
-        <a:solidFill>
-          <a:schemeClr val="bg1"/>
-        </a:solidFill>
-        <a:effectLst/>
-      </p:bgPr>
-    </p:bg>
-    <p:spTree>
-      <p:nvGrpSpPr>
-        <p:cNvPr id="1" name=""/>
-        <p:cNvGrpSpPr/>
-        <p:nvPr/>
-      </p:nvGrpSpPr>
-      <p:grpSpPr>
-        <a:xfrm>
-          <a:off x="0" y="0"/>
-          <a:ext cx="0" cy="0"/>
-          <a:chOff x="0" y="0"/>
-          <a:chExt cx="0" cy="0"/>
-        </a:xfrm>
-      </p:grpSpPr>
-      <p:sp useBgFill="1">
-        <p:nvSpPr>
-          <p:cNvPr id="23" name="Rectangle 22">
-            <a:extLst>
-              <a:ext uri="{FF2B5EF4-FFF2-40B4-BE49-F238E27FC236}">
-                <a16:creationId xmlns:a16="http://schemas.microsoft.com/office/drawing/2014/main" id="{56E9B3E6-E277-4D68-BA48-9CB43FFBD6E2}"/>
-              </a:ext>
-              <a:ext uri="{C183D7F6-B498-43B3-948B-1728B52AA6E4}">
-                <adec:decorative xmlns:adec="http://schemas.microsoft.com/office/drawing/2017/decorative" val="1"/>
-              </a:ext>
-            </a:extLst>
-          </p:cNvPr>
-          <p:cNvSpPr>
-            <a:spLocks noGrp="1" noRot="1" noChangeAspect="1" noMove="1" noResize="1" noEditPoints="1" noAdjustHandles="1" noChangeArrowheads="1" noChangeShapeType="1" noTextEdit="1"/>
-          </p:cNvSpPr>
-          <p:nvPr>
-            <p:extLst>
-              <p:ext uri="{386F3935-93C4-4BCD-93E2-E3B085C9AB24}">
-                <p16:designElem xmlns:p16="http://schemas.microsoft.com/office/powerpoint/2015/main" val="1"/>
-              </p:ext>
-            </p:extLst>
-          </p:nvPr>
-        </p:nvSpPr>
-        <p:spPr>
-          <a:xfrm>
-            <a:off x="0" y="0"/>
-            <a:ext cx="12191999" cy="6857365"/>
-          </a:xfrm>
-          <a:prstGeom prst="rect">
-            <a:avLst/>
-          </a:prstGeom>
-          <a:ln>
-            <a:noFill/>
-          </a:ln>
-        </p:spPr>
-        <p:style>
-          <a:lnRef idx="2">
-            <a:schemeClr val="accent1">
-              <a:shade val="50000"/>
-            </a:schemeClr>
-          </a:lnRef>
-          <a:fillRef idx="1">
-            <a:schemeClr val="accent1"/>
-          </a:fillRef>
-          <a:effectRef idx="0">
-            <a:schemeClr val="accent1"/>
-          </a:effectRef>
-          <a:fontRef idx="minor">
-            <a:schemeClr val="lt1"/>
-          </a:fontRef>
-        </p:style>
-        <p:txBody>
-          <a:bodyPr rtlCol="0" anchor="ctr"/>
-          <a:lstStyle/>
-          <a:p>
-            <a:pPr algn="ctr"/>
-            <a:endParaRPr lang="en-US"/>
-          </a:p>
-        </p:txBody>
-      </p:sp>
-      <p:grpSp>
-        <p:nvGrpSpPr>
-          <p:cNvPr id="25" name="Group 24">
-            <a:extLst>
-              <a:ext uri="{FF2B5EF4-FFF2-40B4-BE49-F238E27FC236}">
-                <a16:creationId xmlns:a16="http://schemas.microsoft.com/office/drawing/2014/main" id="{AE1C45F0-260A-458C-96ED-C1F6D2151219}"/>
-              </a:ext>
-              <a:ext uri="{C183D7F6-B498-43B3-948B-1728B52AA6E4}">
-                <adec:decorative xmlns:adec="http://schemas.microsoft.com/office/drawing/2017/decorative" val="1"/>
-              </a:ext>
-            </a:extLst>
-          </p:cNvPr>
-          <p:cNvGrpSpPr>
-            <a:grpSpLocks noGrp="1" noUngrp="1" noRot="1" noChangeAspect="1" noMove="1" noResize="1"/>
-          </p:cNvGrpSpPr>
-          <p:nvPr>
-            <p:extLst>
-              <p:ext uri="{386F3935-93C4-4BCD-93E2-E3B085C9AB24}">
-                <p16:designElem xmlns:p16="http://schemas.microsoft.com/office/powerpoint/2015/main" val="1"/>
-              </p:ext>
-            </p:extLst>
-          </p:nvPr>
-        </p:nvGrpSpPr>
-        <p:grpSpPr>
-          <a:xfrm>
-            <a:off x="4" y="1216597"/>
-            <a:ext cx="731521" cy="673460"/>
-            <a:chOff x="3940602" y="308034"/>
-            <a:chExt cx="2116791" cy="3428999"/>
-          </a:xfrm>
-          <a:solidFill>
-            <a:schemeClr val="accent4"/>
-          </a:solidFill>
-        </p:grpSpPr>
-        <p:sp>
-          <p:nvSpPr>
-            <p:cNvPr id="26" name="Rectangle 25">
-              <a:extLst>
-                <a:ext uri="{FF2B5EF4-FFF2-40B4-BE49-F238E27FC236}">
-                  <a16:creationId xmlns:a16="http://schemas.microsoft.com/office/drawing/2014/main" id="{A6604B49-AD5C-4590-B051-06C8222ECD99}"/>
-                </a:ext>
-                <a:ext uri="{C183D7F6-B498-43B3-948B-1728B52AA6E4}">
-                  <adec:decorative xmlns:adec="http://schemas.microsoft.com/office/drawing/2017/decorative" val="1"/>
-                </a:ext>
-              </a:extLst>
-            </p:cNvPr>
-            <p:cNvSpPr/>
-            <p:nvPr>
-              <p:extLst>
-                <p:ext uri="{386F3935-93C4-4BCD-93E2-E3B085C9AB24}">
-                  <p16:designElem xmlns:p16="http://schemas.microsoft.com/office/powerpoint/2015/main" val="1"/>
-                </p:ext>
-              </p:extLst>
-            </p:nvPr>
-          </p:nvSpPr>
-          <p:spPr>
-            <a:xfrm>
-              <a:off x="3940602" y="308034"/>
-              <a:ext cx="566743" cy="3428999"/>
-            </a:xfrm>
-            <a:prstGeom prst="rect">
-              <a:avLst/>
-            </a:prstGeom>
-            <a:grpFill/>
-            <a:ln>
-              <a:noFill/>
-            </a:ln>
-          </p:spPr>
-          <p:style>
-            <a:lnRef idx="2">
-              <a:schemeClr val="accent1">
-                <a:shade val="50000"/>
-              </a:schemeClr>
-            </a:lnRef>
-            <a:fillRef idx="1">
-              <a:schemeClr val="accent1"/>
-            </a:fillRef>
-            <a:effectRef idx="0">
-              <a:schemeClr val="accent1"/>
-            </a:effectRef>
-            <a:fontRef idx="minor">
-              <a:schemeClr val="lt1"/>
-            </a:fontRef>
-          </p:style>
-          <p:txBody>
-            <a:bodyPr rtlCol="0" anchor="ctr"/>
-            <a:lstStyle/>
-            <a:p>
-              <a:pPr algn="ctr"/>
-              <a:endParaRPr lang="en-US"/>
-            </a:p>
-          </p:txBody>
-        </p:sp>
-        <p:sp>
-          <p:nvSpPr>
-            <p:cNvPr id="27" name="Rectangle 26">
-              <a:extLst>
-                <a:ext uri="{FF2B5EF4-FFF2-40B4-BE49-F238E27FC236}">
-                  <a16:creationId xmlns:a16="http://schemas.microsoft.com/office/drawing/2014/main" id="{743ECCAF-29C5-4537-947C-7EA1292463DB}"/>
-                </a:ext>
-                <a:ext uri="{C183D7F6-B498-43B3-948B-1728B52AA6E4}">
-                  <adec:decorative xmlns:adec="http://schemas.microsoft.com/office/drawing/2017/decorative" val="1"/>
-                </a:ext>
-              </a:extLst>
-            </p:cNvPr>
-            <p:cNvSpPr/>
-            <p:nvPr>
-              <p:extLst>
-                <p:ext uri="{386F3935-93C4-4BCD-93E2-E3B085C9AB24}">
-                  <p16:designElem xmlns:p16="http://schemas.microsoft.com/office/powerpoint/2015/main" val="1"/>
-                </p:ext>
-              </p:extLst>
-            </p:nvPr>
-          </p:nvSpPr>
-          <p:spPr>
-            <a:xfrm>
-              <a:off x="4715626" y="308034"/>
-              <a:ext cx="566743" cy="3428999"/>
-            </a:xfrm>
-            <a:prstGeom prst="rect">
-              <a:avLst/>
-            </a:prstGeom>
-            <a:grpFill/>
-            <a:ln>
-              <a:noFill/>
-            </a:ln>
-          </p:spPr>
-          <p:style>
-            <a:lnRef idx="2">
-              <a:schemeClr val="accent1">
-                <a:shade val="50000"/>
-              </a:schemeClr>
-            </a:lnRef>
-            <a:fillRef idx="1">
-              <a:schemeClr val="accent1"/>
-            </a:fillRef>
-            <a:effectRef idx="0">
-              <a:schemeClr val="accent1"/>
-            </a:effectRef>
-            <a:fontRef idx="minor">
-              <a:schemeClr val="lt1"/>
-            </a:fontRef>
-          </p:style>
-          <p:txBody>
-            <a:bodyPr rtlCol="0" anchor="ctr"/>
-            <a:lstStyle/>
-            <a:p>
-              <a:pPr algn="ctr"/>
-              <a:endParaRPr lang="en-US"/>
-            </a:p>
-          </p:txBody>
-        </p:sp>
-        <p:sp>
-          <p:nvSpPr>
-            <p:cNvPr id="28" name="Rectangle 27">
-              <a:extLst>
-                <a:ext uri="{FF2B5EF4-FFF2-40B4-BE49-F238E27FC236}">
-                  <a16:creationId xmlns:a16="http://schemas.microsoft.com/office/drawing/2014/main" id="{ED49787B-8DE6-4467-AD0A-8DECC6E0C2D6}"/>
-                </a:ext>
-                <a:ext uri="{C183D7F6-B498-43B3-948B-1728B52AA6E4}">
-                  <adec:decorative xmlns:adec="http://schemas.microsoft.com/office/drawing/2017/decorative" val="1"/>
-                </a:ext>
-              </a:extLst>
-            </p:cNvPr>
-            <p:cNvSpPr/>
-            <p:nvPr>
-              <p:extLst>
-                <p:ext uri="{386F3935-93C4-4BCD-93E2-E3B085C9AB24}">
-                  <p16:designElem xmlns:p16="http://schemas.microsoft.com/office/powerpoint/2015/main" val="1"/>
-                </p:ext>
-              </p:extLst>
-            </p:nvPr>
-          </p:nvSpPr>
-          <p:spPr>
-            <a:xfrm>
-              <a:off x="5490650" y="308034"/>
-              <a:ext cx="566743" cy="3428999"/>
-            </a:xfrm>
-            <a:prstGeom prst="rect">
-              <a:avLst/>
-            </a:prstGeom>
-            <a:grpFill/>
-            <a:ln>
-              <a:noFill/>
-            </a:ln>
-          </p:spPr>
-          <p:style>
-            <a:lnRef idx="2">
-              <a:schemeClr val="accent1">
-                <a:shade val="50000"/>
-              </a:schemeClr>
-            </a:lnRef>
-            <a:fillRef idx="1">
-              <a:schemeClr val="accent1"/>
-            </a:fillRef>
-            <a:effectRef idx="0">
-              <a:schemeClr val="accent1"/>
-            </a:effectRef>
-            <a:fontRef idx="minor">
-              <a:schemeClr val="lt1"/>
-            </a:fontRef>
-          </p:style>
-          <p:txBody>
-            <a:bodyPr rtlCol="0" anchor="ctr"/>
-            <a:lstStyle/>
-            <a:p>
-              <a:pPr algn="ctr"/>
-              <a:endParaRPr lang="en-US"/>
-            </a:p>
-          </p:txBody>
-        </p:sp>
-      </p:grpSp>
-      <p:sp>
-        <p:nvSpPr>
-          <p:cNvPr id="30" name="Rectangle 29">
-            <a:extLst>
-              <a:ext uri="{FF2B5EF4-FFF2-40B4-BE49-F238E27FC236}">
-                <a16:creationId xmlns:a16="http://schemas.microsoft.com/office/drawing/2014/main" id="{D5B0017B-2ECA-49AF-B397-DC140825DF8D}"/>
-              </a:ext>
-              <a:ext uri="{C183D7F6-B498-43B3-948B-1728B52AA6E4}">
-                <adec:decorative xmlns:adec="http://schemas.microsoft.com/office/drawing/2017/decorative" val="1"/>
-              </a:ext>
-            </a:extLst>
-          </p:cNvPr>
-          <p:cNvSpPr>
-            <a:spLocks noGrp="1" noRot="1" noChangeAspect="1" noMove="1" noResize="1" noEditPoints="1" noAdjustHandles="1" noChangeArrowheads="1" noChangeShapeType="1" noTextEdit="1"/>
-          </p:cNvSpPr>
-          <p:nvPr>
-            <p:extLst>
-              <p:ext uri="{386F3935-93C4-4BCD-93E2-E3B085C9AB24}">
-                <p16:designElem xmlns:p16="http://schemas.microsoft.com/office/powerpoint/2015/main" val="1"/>
-              </p:ext>
-            </p:extLst>
-          </p:nvPr>
-        </p:nvSpPr>
-        <p:spPr>
-          <a:xfrm>
-            <a:off x="640079" y="613954"/>
-            <a:ext cx="10907487" cy="1894116"/>
-          </a:xfrm>
-          <a:prstGeom prst="rect">
-            <a:avLst/>
-          </a:prstGeom>
-          <a:solidFill>
-            <a:schemeClr val="bg1"/>
-          </a:solidFill>
-          <a:ln>
-            <a:noFill/>
-          </a:ln>
-          <a:effectLst>
-            <a:outerShdw blurRad="139700" dist="127000" dir="5400000" algn="t" rotWithShape="0">
-              <a:prstClr val="black">
-                <a:alpha val="15000"/>
-              </a:prstClr>
-            </a:outerShdw>
-          </a:effectLst>
-        </p:spPr>
-        <p:style>
-          <a:lnRef idx="2">
-            <a:schemeClr val="accent1">
-              <a:shade val="50000"/>
-            </a:schemeClr>
-          </a:lnRef>
-          <a:fillRef idx="1">
-            <a:schemeClr val="accent1"/>
-          </a:fillRef>
-          <a:effectRef idx="0">
-            <a:schemeClr val="accent1"/>
-          </a:effectRef>
-          <a:fontRef idx="minor">
-            <a:schemeClr val="lt1"/>
-          </a:fontRef>
-        </p:style>
-        <p:txBody>
-          <a:bodyPr rtlCol="0" anchor="ctr"/>
-          <a:lstStyle/>
-          <a:p>
-            <a:pPr algn="ctr"/>
-            <a:endParaRPr lang="en-US"/>
-          </a:p>
-        </p:txBody>
-      </p:sp>
-      <p:sp>
-        <p:nvSpPr>
-          <p:cNvPr id="2" name="Title 1"/>
-          <p:cNvSpPr>
-            <a:spLocks noGrp="1"/>
-          </p:cNvSpPr>
-          <p:nvPr>
-            <p:ph type="title"/>
-          </p:nvPr>
-        </p:nvSpPr>
-        <p:spPr>
-          <a:xfrm>
-            <a:off x="1043631" y="809898"/>
-            <a:ext cx="10173010" cy="1554480"/>
-          </a:xfrm>
-        </p:spPr>
-        <p:txBody>
-          <a:bodyPr anchor="ctr">
-            <a:normAutofit/>
-          </a:bodyPr>
-          <a:lstStyle/>
-          <a:p>
-            <a:r>
-              <a:rPr lang="en-GB" sz="4800" dirty="0"/>
-              <a:t>5. Power BI Dashboard Highlights</a:t>
-            </a:r>
-          </a:p>
-        </p:txBody>
-      </p:sp>
-      <p:cxnSp>
-        <p:nvCxnSpPr>
-          <p:cNvPr id="32" name="Straight Connector 31">
-            <a:extLst>
-              <a:ext uri="{FF2B5EF4-FFF2-40B4-BE49-F238E27FC236}">
-                <a16:creationId xmlns:a16="http://schemas.microsoft.com/office/drawing/2014/main" id="{6CF1BAF6-AD41-4082-B212-8A1F9A2E8779}"/>
-              </a:ext>
-              <a:ext uri="{C183D7F6-B498-43B3-948B-1728B52AA6E4}">
-                <adec:decorative xmlns:adec="http://schemas.microsoft.com/office/drawing/2017/decorative" val="1"/>
-              </a:ext>
-            </a:extLst>
-          </p:cNvPr>
-          <p:cNvCxnSpPr>
-            <a:cxnSpLocks noGrp="1" noRot="1" noChangeAspect="1" noMove="1" noResize="1" noEditPoints="1" noAdjustHandles="1" noChangeArrowheads="1" noChangeShapeType="1"/>
-          </p:cNvCxnSpPr>
-          <p:nvPr>
-            <p:extLst>
-              <p:ext uri="{386F3935-93C4-4BCD-93E2-E3B085C9AB24}">
-                <p16:designElem xmlns:p16="http://schemas.microsoft.com/office/powerpoint/2015/main" val="1"/>
-              </p:ext>
-            </p:extLst>
-          </p:nvPr>
-        </p:nvCxnSpPr>
-        <p:spPr>
-          <a:xfrm flipH="1">
-            <a:off x="838200" y="6485313"/>
-            <a:ext cx="10515600" cy="0"/>
-          </a:xfrm>
-          <a:prstGeom prst="line">
-            <a:avLst/>
-          </a:prstGeom>
-          <a:ln w="57150">
-            <a:solidFill>
-              <a:schemeClr val="accent4"/>
-            </a:solidFill>
-          </a:ln>
-        </p:spPr>
-        <p:style>
-          <a:lnRef idx="1">
-            <a:schemeClr val="accent1"/>
-          </a:lnRef>
-          <a:fillRef idx="0">
-            <a:schemeClr val="accent1"/>
-          </a:fillRef>
-          <a:effectRef idx="0">
-            <a:schemeClr val="accent1"/>
-          </a:effectRef>
-          <a:fontRef idx="minor">
-            <a:schemeClr val="tx1"/>
-          </a:fontRef>
-        </p:style>
-      </p:cxnSp>
-      <p:graphicFrame>
-        <p:nvGraphicFramePr>
-          <p:cNvPr id="5" name="Content Placeholder 2">
-            <a:extLst>
-              <a:ext uri="{FF2B5EF4-FFF2-40B4-BE49-F238E27FC236}">
-                <a16:creationId xmlns:a16="http://schemas.microsoft.com/office/drawing/2014/main" id="{EE2165BB-1A1B-51F2-8FF9-4FDD23F1AC22}"/>
-              </a:ext>
-            </a:extLst>
-          </p:cNvPr>
-          <p:cNvGraphicFramePr>
-            <a:graphicFrameLocks noGrp="1"/>
-          </p:cNvGraphicFramePr>
-          <p:nvPr>
-            <p:ph idx="1"/>
-            <p:extLst>
-              <p:ext uri="{D42A27DB-BD31-4B8C-83A1-F6EECF244321}">
-                <p14:modId xmlns:p14="http://schemas.microsoft.com/office/powerpoint/2010/main" val="1347673187"/>
-              </p:ext>
-            </p:extLst>
-          </p:nvPr>
-        </p:nvGraphicFramePr>
-        <p:xfrm>
-          <a:off x="904602" y="3017519"/>
-          <a:ext cx="10378440" cy="3209902"/>
-        </p:xfrm>
-        <a:graphic>
-          <a:graphicData uri="http://schemas.openxmlformats.org/drawingml/2006/diagram">
-            <dgm:relIds xmlns:dgm="http://schemas.openxmlformats.org/drawingml/2006/diagram" xmlns:r="http://schemas.openxmlformats.org/officeDocument/2006/relationships" r:dm="rId2" r:lo="rId3" r:qs="rId4" r:cs="rId5"/>
-          </a:graphicData>
-        </a:graphic>
-      </p:graphicFrame>
-    </p:spTree>
-  </p:cSld>
-  <p:clrMapOvr>
-    <a:masterClrMapping/>
-  </p:clrMapOvr>
-</p:sld>
-</file>
-
 <file path=ppt/theme/theme1.xml><?xml version="1.0" encoding="utf-8"?>
 <a:theme xmlns:a="http://schemas.openxmlformats.org/drawingml/2006/main" name="Office 2013 - 2022 Theme">
   <a:themeElements>
